--- a/Decks/MicroservicesCafe.pptx
+++ b/Decks/MicroservicesCafe.pptx
@@ -8,7 +8,7 @@
     <p:sldId id="256" r:id="rId2"/>
     <p:sldId id="257" r:id="rId3"/>
     <p:sldId id="258" r:id="rId4"/>
-    <p:sldId id="259" r:id="rId5"/>
+    <p:sldId id="260" r:id="rId5"/>
   </p:sldIdLst>
   <p:sldSz cx="12192000" cy="6858000"/>
   <p:notesSz cx="6858000" cy="9144000"/>
@@ -107,15 +107,12 @@
       </a:defRPr>
     </a:lvl9pPr>
   </p:defaultTextStyle>
+  <p:extLst>
+    <p:ext uri="{EFAFB233-063F-42B5-8137-9DF3F51BA10A}">
+      <p15:sldGuideLst xmlns:p15="http://schemas.microsoft.com/office/powerpoint/2012/main"/>
+    </p:ext>
+  </p:extLst>
 </p:presentation>
-</file>
-
-<file path=ppt/revisionInfo.xml><?xml version="1.0" encoding="utf-8"?>
-<p1510:revInfo xmlns:a="http://schemas.openxmlformats.org/drawingml/2006/main" xmlns:r="http://schemas.openxmlformats.org/officeDocument/2006/relationships" xmlns:p1510="http://schemas.microsoft.com/office/powerpoint/2015/10/main">
-  <p1510:revLst>
-    <p1510:client id="{7CE9EBEB-FEBD-4345-B064-94C0B679F0E3}" v="88" dt="2019-03-18T20:13:37.305"/>
-  </p1510:revLst>
-</p1510:revInfo>
 </file>
 
 <file path=ppt/slideLayouts/slideLayout1.xml><?xml version="1.0" encoding="utf-8"?>
@@ -265,7 +262,7 @@
           <a:p>
             <a:fld id="{E2A9227E-A056-664A-850D-2465F7714098}" type="datetimeFigureOut">
               <a:rPr lang="en-US" smtClean="0"/>
-              <a:t>3/18/19</a:t>
+              <a:t>3/27/19</a:t>
             </a:fld>
             <a:endParaRPr lang="en-US"/>
           </a:p>
@@ -463,7 +460,7 @@
           <a:p>
             <a:fld id="{E2A9227E-A056-664A-850D-2465F7714098}" type="datetimeFigureOut">
               <a:rPr lang="en-US" smtClean="0"/>
-              <a:t>3/18/19</a:t>
+              <a:t>3/27/19</a:t>
             </a:fld>
             <a:endParaRPr lang="en-US"/>
           </a:p>
@@ -671,7 +668,7 @@
           <a:p>
             <a:fld id="{E2A9227E-A056-664A-850D-2465F7714098}" type="datetimeFigureOut">
               <a:rPr lang="en-US" smtClean="0"/>
-              <a:t>3/18/19</a:t>
+              <a:t>3/27/19</a:t>
             </a:fld>
             <a:endParaRPr lang="en-US"/>
           </a:p>
@@ -869,7 +866,7 @@
           <a:p>
             <a:fld id="{E2A9227E-A056-664A-850D-2465F7714098}" type="datetimeFigureOut">
               <a:rPr lang="en-US" smtClean="0"/>
-              <a:t>3/18/19</a:t>
+              <a:t>3/27/19</a:t>
             </a:fld>
             <a:endParaRPr lang="en-US"/>
           </a:p>
@@ -1144,7 +1141,7 @@
           <a:p>
             <a:fld id="{E2A9227E-A056-664A-850D-2465F7714098}" type="datetimeFigureOut">
               <a:rPr lang="en-US" smtClean="0"/>
-              <a:t>3/18/19</a:t>
+              <a:t>3/27/19</a:t>
             </a:fld>
             <a:endParaRPr lang="en-US"/>
           </a:p>
@@ -1409,7 +1406,7 @@
           <a:p>
             <a:fld id="{E2A9227E-A056-664A-850D-2465F7714098}" type="datetimeFigureOut">
               <a:rPr lang="en-US" smtClean="0"/>
-              <a:t>3/18/19</a:t>
+              <a:t>3/27/19</a:t>
             </a:fld>
             <a:endParaRPr lang="en-US"/>
           </a:p>
@@ -1821,7 +1818,7 @@
           <a:p>
             <a:fld id="{E2A9227E-A056-664A-850D-2465F7714098}" type="datetimeFigureOut">
               <a:rPr lang="en-US" smtClean="0"/>
-              <a:t>3/18/19</a:t>
+              <a:t>3/27/19</a:t>
             </a:fld>
             <a:endParaRPr lang="en-US"/>
           </a:p>
@@ -1962,7 +1959,7 @@
           <a:p>
             <a:fld id="{E2A9227E-A056-664A-850D-2465F7714098}" type="datetimeFigureOut">
               <a:rPr lang="en-US" smtClean="0"/>
-              <a:t>3/18/19</a:t>
+              <a:t>3/27/19</a:t>
             </a:fld>
             <a:endParaRPr lang="en-US"/>
           </a:p>
@@ -2075,7 +2072,7 @@
           <a:p>
             <a:fld id="{E2A9227E-A056-664A-850D-2465F7714098}" type="datetimeFigureOut">
               <a:rPr lang="en-US" smtClean="0"/>
-              <a:t>3/18/19</a:t>
+              <a:t>3/27/19</a:t>
             </a:fld>
             <a:endParaRPr lang="en-US"/>
           </a:p>
@@ -2386,7 +2383,7 @@
           <a:p>
             <a:fld id="{E2A9227E-A056-664A-850D-2465F7714098}" type="datetimeFigureOut">
               <a:rPr lang="en-US" smtClean="0"/>
-              <a:t>3/18/19</a:t>
+              <a:t>3/27/19</a:t>
             </a:fld>
             <a:endParaRPr lang="en-US"/>
           </a:p>
@@ -2674,7 +2671,7 @@
           <a:p>
             <a:fld id="{E2A9227E-A056-664A-850D-2465F7714098}" type="datetimeFigureOut">
               <a:rPr lang="en-US" smtClean="0"/>
-              <a:t>3/18/19</a:t>
+              <a:t>3/27/19</a:t>
             </a:fld>
             <a:endParaRPr lang="en-US"/>
           </a:p>
@@ -2915,7 +2912,7 @@
           <a:p>
             <a:fld id="{E2A9227E-A056-664A-850D-2465F7714098}" type="datetimeFigureOut">
               <a:rPr lang="en-US" smtClean="0"/>
-              <a:t>3/18/19</a:t>
+              <a:t>3/27/19</a:t>
             </a:fld>
             <a:endParaRPr lang="en-US"/>
           </a:p>
@@ -5801,65 +5798,36 @@
           <a:chExt cx="0" cy="0"/>
         </a:xfrm>
       </p:grpSpPr>
-      <p:pic>
-        <p:nvPicPr>
-          <p:cNvPr id="5" name="Picture 4">
-            <a:extLst>
-              <a:ext uri="{FF2B5EF4-FFF2-40B4-BE49-F238E27FC236}">
-                <a16:creationId xmlns:a16="http://schemas.microsoft.com/office/drawing/2014/main" id="{2E538B7F-D792-BE44-9F0B-D45E61553EFD}"/>
-              </a:ext>
-            </a:extLst>
-          </p:cNvPr>
-          <p:cNvPicPr>
-            <a:picLocks noChangeAspect="1"/>
-          </p:cNvPicPr>
+      <p:sp>
+        <p:nvSpPr>
+          <p:cNvPr id="2" name="Rounded Rectangle 1">
+            <a:extLst>
+              <a:ext uri="{FF2B5EF4-FFF2-40B4-BE49-F238E27FC236}">
+                <a16:creationId xmlns:a16="http://schemas.microsoft.com/office/drawing/2014/main" id="{3EDBFCFF-D3DF-E543-983E-0451F30992CD}"/>
+              </a:ext>
+            </a:extLst>
+          </p:cNvPr>
+          <p:cNvSpPr/>
           <p:nvPr/>
-        </p:nvPicPr>
-        <p:blipFill rotWithShape="1">
-          <a:blip r:embed="rId2"/>
-          <a:srcRect b="4011"/>
-          <a:stretch/>
-        </p:blipFill>
+        </p:nvSpPr>
         <p:spPr>
           <a:xfrm>
-            <a:off x="643467" y="3011135"/>
-            <a:ext cx="10905066" cy="3846865"/>
-          </a:xfrm>
-          <a:prstGeom prst="rect">
+            <a:off x="437210" y="1257209"/>
+            <a:ext cx="9001133" cy="5189838"/>
+          </a:xfrm>
+          <a:prstGeom prst="roundRect">
             <a:avLst/>
           </a:prstGeom>
         </p:spPr>
-      </p:pic>
-      <p:sp>
-        <p:nvSpPr>
-          <p:cNvPr id="17" name="Oval 16">
-            <a:extLst>
-              <a:ext uri="{FF2B5EF4-FFF2-40B4-BE49-F238E27FC236}">
-                <a16:creationId xmlns:a16="http://schemas.microsoft.com/office/drawing/2014/main" id="{AAA00DC6-3123-5B48-87E8-D699227C6108}"/>
-              </a:ext>
-            </a:extLst>
-          </p:cNvPr>
-          <p:cNvSpPr/>
-          <p:nvPr/>
-        </p:nvSpPr>
-        <p:spPr>
-          <a:xfrm>
-            <a:off x="10453815" y="2436231"/>
-            <a:ext cx="518984" cy="518984"/>
-          </a:xfrm>
-          <a:prstGeom prst="ellipse">
-            <a:avLst/>
-          </a:prstGeom>
-        </p:spPr>
         <p:style>
-          <a:lnRef idx="3">
-            <a:schemeClr val="lt1"/>
+          <a:lnRef idx="1">
+            <a:schemeClr val="accent1"/>
           </a:lnRef>
-          <a:fillRef idx="1">
-            <a:schemeClr val="accent6"/>
+          <a:fillRef idx="3">
+            <a:schemeClr val="accent1"/>
           </a:fillRef>
-          <a:effectRef idx="1">
-            <a:schemeClr val="accent6"/>
+          <a:effectRef idx="2">
+            <a:schemeClr val="accent1"/>
           </a:effectRef>
           <a:fontRef idx="minor">
             <a:schemeClr val="lt1"/>
@@ -5870,226 +5838,10 @@
           <a:lstStyle/>
           <a:p>
             <a:pPr algn="ctr"/>
-            <a:r>
-              <a:rPr lang="en-US" dirty="0"/>
-              <a:t>1</a:t>
-            </a:r>
-          </a:p>
-        </p:txBody>
-      </p:sp>
-      <p:sp>
-        <p:nvSpPr>
-          <p:cNvPr id="18" name="Oval 17">
-            <a:extLst>
-              <a:ext uri="{FF2B5EF4-FFF2-40B4-BE49-F238E27FC236}">
-                <a16:creationId xmlns:a16="http://schemas.microsoft.com/office/drawing/2014/main" id="{849FA271-8D10-324E-90DB-A23DD02F2961}"/>
-              </a:ext>
-            </a:extLst>
-          </p:cNvPr>
-          <p:cNvSpPr/>
-          <p:nvPr/>
-        </p:nvSpPr>
-        <p:spPr>
-          <a:xfrm>
-            <a:off x="8604421" y="2436231"/>
-            <a:ext cx="518984" cy="518984"/>
-          </a:xfrm>
-          <a:prstGeom prst="ellipse">
-            <a:avLst/>
-          </a:prstGeom>
-        </p:spPr>
-        <p:style>
-          <a:lnRef idx="3">
-            <a:schemeClr val="lt1"/>
-          </a:lnRef>
-          <a:fillRef idx="1">
-            <a:schemeClr val="accent6"/>
-          </a:fillRef>
-          <a:effectRef idx="1">
-            <a:schemeClr val="accent6"/>
-          </a:effectRef>
-          <a:fontRef idx="minor">
-            <a:schemeClr val="lt1"/>
-          </a:fontRef>
-        </p:style>
-        <p:txBody>
-          <a:bodyPr rtlCol="0" anchor="ctr"/>
-          <a:lstStyle/>
-          <a:p>
-            <a:pPr algn="ctr"/>
-            <a:r>
-              <a:rPr lang="en-US" dirty="0"/>
-              <a:t>2</a:t>
-            </a:r>
-          </a:p>
-        </p:txBody>
-      </p:sp>
-      <p:sp>
-        <p:nvSpPr>
-          <p:cNvPr id="19" name="Oval 18">
-            <a:extLst>
-              <a:ext uri="{FF2B5EF4-FFF2-40B4-BE49-F238E27FC236}">
-                <a16:creationId xmlns:a16="http://schemas.microsoft.com/office/drawing/2014/main" id="{DB336EEC-93B0-094E-B85A-A2CE9C3FC051}"/>
-              </a:ext>
-            </a:extLst>
-          </p:cNvPr>
-          <p:cNvSpPr/>
-          <p:nvPr/>
-        </p:nvSpPr>
-        <p:spPr>
-          <a:xfrm>
-            <a:off x="6752838" y="2436231"/>
-            <a:ext cx="518984" cy="518984"/>
-          </a:xfrm>
-          <a:prstGeom prst="ellipse">
-            <a:avLst/>
-          </a:prstGeom>
-        </p:spPr>
-        <p:style>
-          <a:lnRef idx="3">
-            <a:schemeClr val="lt1"/>
-          </a:lnRef>
-          <a:fillRef idx="1">
-            <a:schemeClr val="accent6"/>
-          </a:fillRef>
-          <a:effectRef idx="1">
-            <a:schemeClr val="accent6"/>
-          </a:effectRef>
-          <a:fontRef idx="minor">
-            <a:schemeClr val="lt1"/>
-          </a:fontRef>
-        </p:style>
-        <p:txBody>
-          <a:bodyPr rtlCol="0" anchor="ctr"/>
-          <a:lstStyle/>
-          <a:p>
-            <a:pPr algn="ctr"/>
-            <a:r>
-              <a:rPr lang="en-US" dirty="0"/>
-              <a:t>3</a:t>
-            </a:r>
-          </a:p>
-        </p:txBody>
-      </p:sp>
-      <p:sp>
-        <p:nvSpPr>
-          <p:cNvPr id="20" name="Oval 19">
-            <a:extLst>
-              <a:ext uri="{FF2B5EF4-FFF2-40B4-BE49-F238E27FC236}">
-                <a16:creationId xmlns:a16="http://schemas.microsoft.com/office/drawing/2014/main" id="{31A77C59-07ED-5244-99BA-8470AF76CA5D}"/>
-              </a:ext>
-            </a:extLst>
-          </p:cNvPr>
-          <p:cNvSpPr/>
-          <p:nvPr/>
-        </p:nvSpPr>
-        <p:spPr>
-          <a:xfrm>
-            <a:off x="2759674" y="2436231"/>
-            <a:ext cx="518984" cy="518984"/>
-          </a:xfrm>
-          <a:prstGeom prst="ellipse">
-            <a:avLst/>
-          </a:prstGeom>
-        </p:spPr>
-        <p:style>
-          <a:lnRef idx="3">
-            <a:schemeClr val="lt1"/>
-          </a:lnRef>
-          <a:fillRef idx="1">
-            <a:schemeClr val="accent6"/>
-          </a:fillRef>
-          <a:effectRef idx="1">
-            <a:schemeClr val="accent6"/>
-          </a:effectRef>
-          <a:fontRef idx="minor">
-            <a:schemeClr val="lt1"/>
-          </a:fontRef>
-        </p:style>
-        <p:txBody>
-          <a:bodyPr rtlCol="0" anchor="ctr"/>
-          <a:lstStyle/>
-          <a:p>
-            <a:pPr algn="ctr"/>
-            <a:r>
-              <a:rPr lang="en-US" dirty="0"/>
-              <a:t>4</a:t>
-            </a:r>
-          </a:p>
-        </p:txBody>
-      </p:sp>
-      <p:pic>
-        <p:nvPicPr>
-          <p:cNvPr id="34" name="Graphic 33" descr="Line Arrow: Counterclockwise curve">
-            <a:extLst>
-              <a:ext uri="{FF2B5EF4-FFF2-40B4-BE49-F238E27FC236}">
-                <a16:creationId xmlns:a16="http://schemas.microsoft.com/office/drawing/2014/main" id="{E3EE22C9-9CF4-364B-9993-06BC56C8F6A4}"/>
-              </a:ext>
-            </a:extLst>
-          </p:cNvPr>
-          <p:cNvPicPr>
-            <a:picLocks noChangeAspect="1"/>
-          </p:cNvPicPr>
-          <p:nvPr/>
-        </p:nvPicPr>
-        <p:blipFill>
-          <a:blip r:embed="rId3">
-            <a:extLst>
-              <a:ext uri="{96DAC541-7B7A-43D3-8B79-37D633B846F1}">
-                <asvg:svgBlip xmlns:asvg="http://schemas.microsoft.com/office/drawing/2016/SVG/main" r:embed="rId4"/>
-              </a:ext>
-            </a:extLst>
-          </a:blip>
-          <a:stretch>
-            <a:fillRect/>
-          </a:stretch>
-        </p:blipFill>
-        <p:spPr>
-          <a:xfrm rot="20331893">
-            <a:off x="9956595" y="1277529"/>
-            <a:ext cx="875345" cy="875345"/>
-          </a:xfrm>
-          <a:prstGeom prst="rect">
-            <a:avLst/>
-          </a:prstGeom>
-        </p:spPr>
-      </p:pic>
-      <p:pic>
-        <p:nvPicPr>
-          <p:cNvPr id="38" name="Graphic 37" descr="Line Arrow: Counterclockwise curve">
-            <a:extLst>
-              <a:ext uri="{FF2B5EF4-FFF2-40B4-BE49-F238E27FC236}">
-                <a16:creationId xmlns:a16="http://schemas.microsoft.com/office/drawing/2014/main" id="{F3B97CD4-33A8-7B4E-B932-59BD1351DBE8}"/>
-              </a:ext>
-            </a:extLst>
-          </p:cNvPr>
-          <p:cNvPicPr>
-            <a:picLocks noChangeAspect="1"/>
-          </p:cNvPicPr>
-          <p:nvPr/>
-        </p:nvPicPr>
-        <p:blipFill>
-          <a:blip r:embed="rId3">
-            <a:extLst>
-              <a:ext uri="{96DAC541-7B7A-43D3-8B79-37D633B846F1}">
-                <asvg:svgBlip xmlns:asvg="http://schemas.microsoft.com/office/drawing/2016/SVG/main" r:embed="rId4"/>
-              </a:ext>
-            </a:extLst>
-          </a:blip>
-          <a:stretch>
-            <a:fillRect/>
-          </a:stretch>
-        </p:blipFill>
-        <p:spPr>
-          <a:xfrm rot="13803304">
-            <a:off x="1104518" y="1408400"/>
-            <a:ext cx="914400" cy="914400"/>
-          </a:xfrm>
-          <a:prstGeom prst="rect">
-            <a:avLst/>
-          </a:prstGeom>
-        </p:spPr>
-      </p:pic>
+            <a:endParaRPr lang="en-US"/>
+          </a:p>
+        </p:txBody>
+      </p:sp>
       <p:sp>
         <p:nvSpPr>
           <p:cNvPr id="41" name="TextBox 40">
@@ -6105,7 +5857,7 @@
         <p:spPr>
           <a:xfrm>
             <a:off x="325107" y="164127"/>
-            <a:ext cx="4404732" cy="707886"/>
+            <a:ext cx="7290265" cy="707886"/>
           </a:xfrm>
           <a:prstGeom prst="rect">
             <a:avLst/>
@@ -6127,7 +5879,7 @@
                 <a:ea typeface="Segoe UI Historic" panose="020B0502040204020203" pitchFamily="34" charset="0"/>
                 <a:cs typeface="Segoe UI Historic" panose="020B0502040204020203" pitchFamily="34" charset="0"/>
               </a:rPr>
-              <a:t>Microservices Café</a:t>
+              <a:t>Microservices Café Architecture</a:t>
             </a:r>
           </a:p>
         </p:txBody>
@@ -6146,7 +5898,7 @@
         </p:nvSpPr>
         <p:spPr>
           <a:xfrm>
-            <a:off x="8530957" y="1096103"/>
+            <a:off x="7342875" y="2056755"/>
             <a:ext cx="1381114" cy="1106899"/>
           </a:xfrm>
           <a:prstGeom prst="roundRect">
@@ -6216,7 +5968,7 @@
         </p:nvSpPr>
         <p:spPr>
           <a:xfrm>
-            <a:off x="5622331" y="1096104"/>
+            <a:off x="4434249" y="2056756"/>
             <a:ext cx="1381114" cy="1106898"/>
           </a:xfrm>
           <a:prstGeom prst="roundRect">
@@ -6286,7 +6038,7 @@
         </p:nvSpPr>
         <p:spPr>
           <a:xfrm>
-            <a:off x="2100003" y="1096104"/>
+            <a:off x="911921" y="2056756"/>
             <a:ext cx="1771904" cy="1106898"/>
           </a:xfrm>
           <a:prstGeom prst="roundRect">
@@ -6356,7 +6108,7 @@
         </p:nvSpPr>
         <p:spPr>
           <a:xfrm>
-            <a:off x="4429843" y="1577455"/>
+            <a:off x="3241761" y="2538107"/>
             <a:ext cx="635713" cy="1550089"/>
           </a:xfrm>
           <a:prstGeom prst="can">
@@ -6391,10 +6143,10 @@
       </p:sp>
       <p:sp>
         <p:nvSpPr>
-          <p:cNvPr id="27" name="Oval 26">
-            <a:extLst>
-              <a:ext uri="{FF2B5EF4-FFF2-40B4-BE49-F238E27FC236}">
-                <a16:creationId xmlns:a16="http://schemas.microsoft.com/office/drawing/2014/main" id="{C38F4550-F35E-0C4B-B846-48647F765E3C}"/>
+          <p:cNvPr id="6" name="Oval 5">
+            <a:extLst>
+              <a:ext uri="{FF2B5EF4-FFF2-40B4-BE49-F238E27FC236}">
+                <a16:creationId xmlns:a16="http://schemas.microsoft.com/office/drawing/2014/main" id="{00AEDE12-5FAF-B54A-82CF-DBD5B917B2AF}"/>
               </a:ext>
             </a:extLst>
           </p:cNvPr>
@@ -6403,60 +6155,17 @@
         </p:nvSpPr>
         <p:spPr>
           <a:xfrm>
-            <a:off x="1061785" y="2436992"/>
-            <a:ext cx="518984" cy="518984"/>
+            <a:off x="7717834" y="1827618"/>
+            <a:ext cx="634198" cy="594799"/>
           </a:xfrm>
           <a:prstGeom prst="ellipse">
             <a:avLst/>
           </a:prstGeom>
-        </p:spPr>
-        <p:style>
-          <a:lnRef idx="3">
-            <a:schemeClr val="lt1"/>
-          </a:lnRef>
-          <a:fillRef idx="1">
-            <a:schemeClr val="accent6"/>
-          </a:fillRef>
-          <a:effectRef idx="1">
-            <a:schemeClr val="accent6"/>
-          </a:effectRef>
-          <a:fontRef idx="minor">
-            <a:schemeClr val="lt1"/>
-          </a:fontRef>
-        </p:style>
-        <p:txBody>
-          <a:bodyPr rtlCol="0" anchor="ctr"/>
-          <a:lstStyle/>
-          <a:p>
-            <a:pPr algn="ctr"/>
-            <a:r>
-              <a:rPr lang="en-US" dirty="0"/>
-              <a:t>5</a:t>
-            </a:r>
-          </a:p>
-        </p:txBody>
-      </p:sp>
-      <p:sp>
-        <p:nvSpPr>
-          <p:cNvPr id="6" name="Oval 5">
-            <a:extLst>
-              <a:ext uri="{FF2B5EF4-FFF2-40B4-BE49-F238E27FC236}">
-                <a16:creationId xmlns:a16="http://schemas.microsoft.com/office/drawing/2014/main" id="{00AEDE12-5FAF-B54A-82CF-DBD5B917B2AF}"/>
-              </a:ext>
-            </a:extLst>
-          </p:cNvPr>
-          <p:cNvSpPr/>
-          <p:nvPr/>
-        </p:nvSpPr>
-        <p:spPr>
-          <a:xfrm>
-            <a:off x="8905916" y="866966"/>
-            <a:ext cx="634198" cy="594799"/>
-          </a:xfrm>
-          <a:prstGeom prst="ellipse">
-            <a:avLst/>
-          </a:prstGeom>
-          <a:ln w="38100"/>
+          <a:ln w="38100">
+            <a:solidFill>
+              <a:schemeClr val="bg1"/>
+            </a:solidFill>
+          </a:ln>
         </p:spPr>
         <p:style>
           <a:lnRef idx="2">
@@ -6495,7 +6204,7 @@
         </p:nvGrpSpPr>
         <p:grpSpPr>
           <a:xfrm>
-            <a:off x="6013667" y="859704"/>
+            <a:off x="4825585" y="1820356"/>
             <a:ext cx="634198" cy="594799"/>
             <a:chOff x="8905916" y="866966"/>
             <a:chExt cx="634198" cy="594799"/>
@@ -6521,7 +6230,11 @@
             <a:prstGeom prst="ellipse">
               <a:avLst/>
             </a:prstGeom>
-            <a:ln w="38100"/>
+            <a:ln w="38100">
+              <a:solidFill>
+                <a:schemeClr val="bg1"/>
+              </a:solidFill>
+            </a:ln>
           </p:spPr>
           <p:style>
             <a:lnRef idx="2">
@@ -6542,7 +6255,7 @@
             <a:lstStyle/>
             <a:p>
               <a:pPr algn="ctr"/>
-              <a:endParaRPr lang="en-US"/>
+              <a:endParaRPr lang="en-US" dirty="0"/>
             </a:p>
           </p:txBody>
         </p:sp>
@@ -6561,7 +6274,7 @@
             <p:nvPr/>
           </p:nvPicPr>
           <p:blipFill>
-            <a:blip r:embed="rId5"/>
+            <a:blip r:embed="rId2"/>
             <a:stretch>
               <a:fillRect/>
             </a:stretch>
@@ -6591,13 +6304,17 @@
         </p:nvSpPr>
         <p:spPr>
           <a:xfrm>
-            <a:off x="2687324" y="846497"/>
+            <a:off x="1499242" y="1807149"/>
             <a:ext cx="634198" cy="594799"/>
           </a:xfrm>
           <a:prstGeom prst="ellipse">
             <a:avLst/>
           </a:prstGeom>
-          <a:ln w="38100"/>
+          <a:ln w="38100">
+            <a:solidFill>
+              <a:schemeClr val="bg1"/>
+            </a:solidFill>
+          </a:ln>
         </p:spPr>
         <p:style>
           <a:lnRef idx="2">
@@ -6637,14 +6354,14 @@
           <p:nvPr/>
         </p:nvPicPr>
         <p:blipFill>
-          <a:blip r:embed="rId6"/>
+          <a:blip r:embed="rId3"/>
           <a:stretch>
             <a:fillRect/>
           </a:stretch>
         </p:blipFill>
         <p:spPr>
           <a:xfrm>
-            <a:off x="2722603" y="1018063"/>
+            <a:off x="1534521" y="1978715"/>
             <a:ext cx="564860" cy="295610"/>
           </a:xfrm>
           <a:prstGeom prst="rect">
@@ -6666,7 +6383,7 @@
         </p:nvGrpSpPr>
         <p:grpSpPr>
           <a:xfrm>
-            <a:off x="4415555" y="2862994"/>
+            <a:off x="3227473" y="3823646"/>
             <a:ext cx="669720" cy="594799"/>
             <a:chOff x="6362301" y="85706"/>
             <a:chExt cx="669720" cy="594799"/>
@@ -6692,7 +6409,11 @@
             <a:prstGeom prst="ellipse">
               <a:avLst/>
             </a:prstGeom>
-            <a:ln w="38100"/>
+            <a:ln w="38100">
+              <a:solidFill>
+                <a:schemeClr val="bg1"/>
+              </a:solidFill>
+            </a:ln>
           </p:spPr>
           <p:style>
             <a:lnRef idx="2">
@@ -6732,7 +6453,7 @@
             <p:nvPr/>
           </p:nvPicPr>
           <p:blipFill>
-            <a:blip r:embed="rId7"/>
+            <a:blip r:embed="rId4"/>
             <a:stretch>
               <a:fillRect/>
             </a:stretch>
@@ -6763,10 +6484,10 @@
           <p:nvPr/>
         </p:nvPicPr>
         <p:blipFill>
-          <a:blip r:embed="rId3">
+          <a:blip r:embed="rId5">
             <a:extLst>
               <a:ext uri="{96DAC541-7B7A-43D3-8B79-37D633B846F1}">
-                <asvg:svgBlip xmlns:asvg="http://schemas.microsoft.com/office/drawing/2016/SVG/main" r:embed="rId4"/>
+                <asvg:svgBlip xmlns:asvg="http://schemas.microsoft.com/office/drawing/2016/SVG/main" r:embed="rId6"/>
               </a:ext>
             </a:extLst>
           </a:blip>
@@ -6776,7 +6497,7 @@
         </p:blipFill>
         <p:spPr>
           <a:xfrm rot="18171600">
-            <a:off x="3924308" y="963349"/>
+            <a:off x="2736226" y="1924001"/>
             <a:ext cx="708163" cy="708163"/>
           </a:xfrm>
           <a:prstGeom prst="rect">
@@ -6799,10 +6520,10 @@
           <p:nvPr/>
         </p:nvPicPr>
         <p:blipFill>
-          <a:blip r:embed="rId3">
+          <a:blip r:embed="rId5">
             <a:extLst>
               <a:ext uri="{96DAC541-7B7A-43D3-8B79-37D633B846F1}">
-                <asvg:svgBlip xmlns:asvg="http://schemas.microsoft.com/office/drawing/2016/SVG/main" r:embed="rId4"/>
+                <asvg:svgBlip xmlns:asvg="http://schemas.microsoft.com/office/drawing/2016/SVG/main" r:embed="rId6"/>
               </a:ext>
             </a:extLst>
           </a:blip>
@@ -6812,7 +6533,7 @@
         </p:blipFill>
         <p:spPr>
           <a:xfrm rot="15075446">
-            <a:off x="4802306" y="931667"/>
+            <a:off x="3614224" y="1892319"/>
             <a:ext cx="715449" cy="715449"/>
           </a:xfrm>
           <a:prstGeom prst="rect">
@@ -6835,10 +6556,10 @@
           <p:nvPr/>
         </p:nvPicPr>
         <p:blipFill>
-          <a:blip r:embed="rId3">
+          <a:blip r:embed="rId5">
             <a:extLst>
               <a:ext uri="{96DAC541-7B7A-43D3-8B79-37D633B846F1}">
-                <asvg:svgBlip xmlns:asvg="http://schemas.microsoft.com/office/drawing/2016/SVG/main" r:embed="rId4"/>
+                <asvg:svgBlip xmlns:asvg="http://schemas.microsoft.com/office/drawing/2016/SVG/main" r:embed="rId6"/>
               </a:ext>
             </a:extLst>
           </a:blip>
@@ -6848,7 +6569,7 @@
         </p:blipFill>
         <p:spPr>
           <a:xfrm rot="18171600">
-            <a:off x="7039346" y="974153"/>
+            <a:off x="5851264" y="1934805"/>
             <a:ext cx="708163" cy="708163"/>
           </a:xfrm>
           <a:prstGeom prst="rect">
@@ -6871,10 +6592,10 @@
           <p:nvPr/>
         </p:nvPicPr>
         <p:blipFill>
-          <a:blip r:embed="rId3">
+          <a:blip r:embed="rId5">
             <a:extLst>
               <a:ext uri="{96DAC541-7B7A-43D3-8B79-37D633B846F1}">
-                <asvg:svgBlip xmlns:asvg="http://schemas.microsoft.com/office/drawing/2016/SVG/main" r:embed="rId4"/>
+                <asvg:svgBlip xmlns:asvg="http://schemas.microsoft.com/office/drawing/2016/SVG/main" r:embed="rId6"/>
               </a:ext>
             </a:extLst>
           </a:blip>
@@ -6884,7 +6605,7 @@
         </p:blipFill>
         <p:spPr>
           <a:xfrm rot="15075446">
-            <a:off x="7817328" y="942471"/>
+            <a:off x="6629246" y="1903123"/>
             <a:ext cx="715449" cy="715449"/>
           </a:xfrm>
           <a:prstGeom prst="rect">
@@ -6906,7 +6627,7 @@
         </p:nvSpPr>
         <p:spPr>
           <a:xfrm>
-            <a:off x="7518356" y="1594055"/>
+            <a:off x="6330274" y="2554707"/>
             <a:ext cx="635713" cy="1550089"/>
           </a:xfrm>
           <a:prstGeom prst="can">
@@ -6953,7 +6674,7 @@
         </p:nvGrpSpPr>
         <p:grpSpPr>
           <a:xfrm>
-            <a:off x="7504068" y="2879594"/>
+            <a:off x="6315986" y="3840246"/>
             <a:ext cx="669720" cy="594799"/>
             <a:chOff x="6362301" y="85706"/>
             <a:chExt cx="669720" cy="594799"/>
@@ -6979,7 +6700,11 @@
             <a:prstGeom prst="ellipse">
               <a:avLst/>
             </a:prstGeom>
-            <a:ln w="38100"/>
+            <a:ln w="38100">
+              <a:solidFill>
+                <a:schemeClr val="bg1"/>
+              </a:solidFill>
+            </a:ln>
           </p:spPr>
           <p:style>
             <a:lnRef idx="2">
@@ -7019,7 +6744,7 @@
             <p:nvPr/>
           </p:nvPicPr>
           <p:blipFill>
-            <a:blip r:embed="rId7"/>
+            <a:blip r:embed="rId4"/>
             <a:stretch>
               <a:fillRect/>
             </a:stretch>
@@ -7050,6 +6775,279 @@
           <p:nvPr/>
         </p:nvPicPr>
         <p:blipFill>
+          <a:blip r:embed="rId7"/>
+          <a:stretch>
+            <a:fillRect/>
+          </a:stretch>
+        </p:blipFill>
+        <p:spPr>
+          <a:xfrm>
+            <a:off x="7707719" y="1945005"/>
+            <a:ext cx="652888" cy="341678"/>
+          </a:xfrm>
+          <a:prstGeom prst="rect">
+            <a:avLst/>
+          </a:prstGeom>
+        </p:spPr>
+      </p:pic>
+      <p:sp>
+        <p:nvSpPr>
+          <p:cNvPr id="35" name="Rounded Rectangle 34">
+            <a:extLst>
+              <a:ext uri="{FF2B5EF4-FFF2-40B4-BE49-F238E27FC236}">
+                <a16:creationId xmlns:a16="http://schemas.microsoft.com/office/drawing/2014/main" id="{C28944C5-9FC8-4E4E-BF58-6F78FFAA3987}"/>
+              </a:ext>
+            </a:extLst>
+          </p:cNvPr>
+          <p:cNvSpPr/>
+          <p:nvPr/>
+        </p:nvSpPr>
+        <p:spPr>
+          <a:xfrm>
+            <a:off x="7184456" y="4731514"/>
+            <a:ext cx="1771903" cy="1106898"/>
+          </a:xfrm>
+          <a:prstGeom prst="roundRect">
+            <a:avLst/>
+          </a:prstGeom>
+        </p:spPr>
+        <p:style>
+          <a:lnRef idx="3">
+            <a:schemeClr val="lt1"/>
+          </a:lnRef>
+          <a:fillRef idx="1">
+            <a:schemeClr val="accent1"/>
+          </a:fillRef>
+          <a:effectRef idx="1">
+            <a:schemeClr val="accent1"/>
+          </a:effectRef>
+          <a:fontRef idx="minor">
+            <a:schemeClr val="lt1"/>
+          </a:fontRef>
+        </p:style>
+        <p:txBody>
+          <a:bodyPr rtlCol="0" anchor="ctr"/>
+          <a:lstStyle/>
+          <a:p>
+            <a:pPr algn="ctr"/>
+            <a:endParaRPr lang="en-US" sz="2000" dirty="0">
+              <a:latin typeface="Segoe UI Historic" panose="020B0502040204020203" pitchFamily="34" charset="0"/>
+              <a:ea typeface="Segoe UI Historic" panose="020B0502040204020203" pitchFamily="34" charset="0"/>
+              <a:cs typeface="Segoe UI Historic" panose="020B0502040204020203" pitchFamily="34" charset="0"/>
+            </a:endParaRPr>
+          </a:p>
+          <a:p>
+            <a:pPr algn="ctr"/>
+            <a:r>
+              <a:rPr lang="en-US" sz="2000" dirty="0">
+                <a:latin typeface="Segoe UI Historic" panose="020B0502040204020203" pitchFamily="34" charset="0"/>
+                <a:ea typeface="Segoe UI Historic" panose="020B0502040204020203" pitchFamily="34" charset="0"/>
+                <a:cs typeface="Segoe UI Historic" panose="020B0502040204020203" pitchFamily="34" charset="0"/>
+              </a:rPr>
+              <a:t>Order</a:t>
+            </a:r>
+          </a:p>
+          <a:p>
+            <a:pPr algn="ctr"/>
+            <a:r>
+              <a:rPr lang="en-US" sz="2000" dirty="0" err="1">
+                <a:latin typeface="Segoe UI Historic" panose="020B0502040204020203" pitchFamily="34" charset="0"/>
+                <a:ea typeface="Segoe UI Historic" panose="020B0502040204020203" pitchFamily="34" charset="0"/>
+                <a:cs typeface="Segoe UI Historic" panose="020B0502040204020203" pitchFamily="34" charset="0"/>
+              </a:rPr>
+              <a:t>FrontEnd</a:t>
+            </a:r>
+            <a:endParaRPr lang="en-US" sz="2000" dirty="0">
+              <a:latin typeface="Segoe UI Historic" panose="020B0502040204020203" pitchFamily="34" charset="0"/>
+              <a:ea typeface="Segoe UI Historic" panose="020B0502040204020203" pitchFamily="34" charset="0"/>
+              <a:cs typeface="Segoe UI Historic" panose="020B0502040204020203" pitchFamily="34" charset="0"/>
+            </a:endParaRPr>
+          </a:p>
+        </p:txBody>
+      </p:sp>
+      <p:sp>
+        <p:nvSpPr>
+          <p:cNvPr id="50" name="Oval 49">
+            <a:extLst>
+              <a:ext uri="{FF2B5EF4-FFF2-40B4-BE49-F238E27FC236}">
+                <a16:creationId xmlns:a16="http://schemas.microsoft.com/office/drawing/2014/main" id="{95658D2C-E612-FE44-9130-D4AD579489E6}"/>
+              </a:ext>
+            </a:extLst>
+          </p:cNvPr>
+          <p:cNvSpPr/>
+          <p:nvPr/>
+        </p:nvSpPr>
+        <p:spPr>
+          <a:xfrm>
+            <a:off x="7772229" y="4476978"/>
+            <a:ext cx="634198" cy="594799"/>
+          </a:xfrm>
+          <a:prstGeom prst="ellipse">
+            <a:avLst/>
+          </a:prstGeom>
+          <a:ln w="38100">
+            <a:solidFill>
+              <a:schemeClr val="bg1"/>
+            </a:solidFill>
+          </a:ln>
+        </p:spPr>
+        <p:style>
+          <a:lnRef idx="2">
+            <a:schemeClr val="accent1"/>
+          </a:lnRef>
+          <a:fillRef idx="1">
+            <a:schemeClr val="lt1"/>
+          </a:fillRef>
+          <a:effectRef idx="0">
+            <a:schemeClr val="accent1"/>
+          </a:effectRef>
+          <a:fontRef idx="minor">
+            <a:schemeClr val="dk1"/>
+          </a:fontRef>
+        </p:style>
+        <p:txBody>
+          <a:bodyPr rtlCol="0" anchor="ctr"/>
+          <a:lstStyle/>
+          <a:p>
+            <a:pPr algn="ctr"/>
+            <a:endParaRPr lang="en-US" dirty="0"/>
+          </a:p>
+        </p:txBody>
+      </p:sp>
+      <p:sp>
+        <p:nvSpPr>
+          <p:cNvPr id="52" name="Rounded Rectangle 51">
+            <a:extLst>
+              <a:ext uri="{FF2B5EF4-FFF2-40B4-BE49-F238E27FC236}">
+                <a16:creationId xmlns:a16="http://schemas.microsoft.com/office/drawing/2014/main" id="{4FF89C24-C4F6-D945-8962-ED04FC4AE9F6}"/>
+              </a:ext>
+            </a:extLst>
+          </p:cNvPr>
+          <p:cNvSpPr/>
+          <p:nvPr/>
+        </p:nvSpPr>
+        <p:spPr>
+          <a:xfrm>
+            <a:off x="9735730" y="3243934"/>
+            <a:ext cx="1771903" cy="1106898"/>
+          </a:xfrm>
+          <a:prstGeom prst="roundRect">
+            <a:avLst/>
+          </a:prstGeom>
+        </p:spPr>
+        <p:style>
+          <a:lnRef idx="3">
+            <a:schemeClr val="lt1"/>
+          </a:lnRef>
+          <a:fillRef idx="1">
+            <a:schemeClr val="accent1"/>
+          </a:fillRef>
+          <a:effectRef idx="1">
+            <a:schemeClr val="accent1"/>
+          </a:effectRef>
+          <a:fontRef idx="minor">
+            <a:schemeClr val="lt1"/>
+          </a:fontRef>
+        </p:style>
+        <p:txBody>
+          <a:bodyPr rtlCol="0" anchor="ctr"/>
+          <a:lstStyle/>
+          <a:p>
+            <a:pPr algn="ctr"/>
+            <a:endParaRPr lang="en-US" sz="2000" dirty="0">
+              <a:latin typeface="Segoe UI Historic" panose="020B0502040204020203" pitchFamily="34" charset="0"/>
+              <a:ea typeface="Segoe UI Historic" panose="020B0502040204020203" pitchFamily="34" charset="0"/>
+              <a:cs typeface="Segoe UI Historic" panose="020B0502040204020203" pitchFamily="34" charset="0"/>
+            </a:endParaRPr>
+          </a:p>
+          <a:p>
+            <a:pPr algn="ctr"/>
+            <a:r>
+              <a:rPr lang="en-US" sz="2000" dirty="0">
+                <a:latin typeface="Segoe UI Historic" panose="020B0502040204020203" pitchFamily="34" charset="0"/>
+                <a:ea typeface="Segoe UI Historic" panose="020B0502040204020203" pitchFamily="34" charset="0"/>
+                <a:cs typeface="Segoe UI Historic" panose="020B0502040204020203" pitchFamily="34" charset="0"/>
+              </a:rPr>
+              <a:t>Order</a:t>
+            </a:r>
+          </a:p>
+          <a:p>
+            <a:pPr algn="ctr"/>
+            <a:r>
+              <a:rPr lang="en-US" sz="2000" dirty="0">
+                <a:latin typeface="Segoe UI Historic" panose="020B0502040204020203" pitchFamily="34" charset="0"/>
+                <a:ea typeface="Segoe UI Historic" panose="020B0502040204020203" pitchFamily="34" charset="0"/>
+                <a:cs typeface="Segoe UI Historic" panose="020B0502040204020203" pitchFamily="34" charset="0"/>
+              </a:rPr>
+              <a:t>Client</a:t>
+            </a:r>
+          </a:p>
+        </p:txBody>
+      </p:sp>
+      <p:sp>
+        <p:nvSpPr>
+          <p:cNvPr id="54" name="Oval 53">
+            <a:extLst>
+              <a:ext uri="{FF2B5EF4-FFF2-40B4-BE49-F238E27FC236}">
+                <a16:creationId xmlns:a16="http://schemas.microsoft.com/office/drawing/2014/main" id="{A6A4EA9E-1298-374C-A321-B182CD18E331}"/>
+              </a:ext>
+            </a:extLst>
+          </p:cNvPr>
+          <p:cNvSpPr/>
+          <p:nvPr/>
+        </p:nvSpPr>
+        <p:spPr>
+          <a:xfrm>
+            <a:off x="10304582" y="3022401"/>
+            <a:ext cx="634198" cy="594799"/>
+          </a:xfrm>
+          <a:prstGeom prst="ellipse">
+            <a:avLst/>
+          </a:prstGeom>
+          <a:ln w="38100">
+            <a:solidFill>
+              <a:schemeClr val="accent1"/>
+            </a:solidFill>
+          </a:ln>
+        </p:spPr>
+        <p:style>
+          <a:lnRef idx="2">
+            <a:schemeClr val="accent1"/>
+          </a:lnRef>
+          <a:fillRef idx="1">
+            <a:schemeClr val="lt1"/>
+          </a:fillRef>
+          <a:effectRef idx="0">
+            <a:schemeClr val="accent1"/>
+          </a:effectRef>
+          <a:fontRef idx="minor">
+            <a:schemeClr val="dk1"/>
+          </a:fontRef>
+        </p:style>
+        <p:txBody>
+          <a:bodyPr rtlCol="0" anchor="ctr"/>
+          <a:lstStyle/>
+          <a:p>
+            <a:pPr algn="ctr"/>
+            <a:endParaRPr lang="en-US" dirty="0"/>
+          </a:p>
+        </p:txBody>
+      </p:sp>
+      <p:pic>
+        <p:nvPicPr>
+          <p:cNvPr id="4" name="Picture 3">
+            <a:extLst>
+              <a:ext uri="{FF2B5EF4-FFF2-40B4-BE49-F238E27FC236}">
+                <a16:creationId xmlns:a16="http://schemas.microsoft.com/office/drawing/2014/main" id="{1184A840-27C3-9E4A-9C02-11654BEE30C5}"/>
+              </a:ext>
+            </a:extLst>
+          </p:cNvPr>
+          <p:cNvPicPr>
+            <a:picLocks noChangeAspect="1"/>
+          </p:cNvPicPr>
+          <p:nvPr/>
+        </p:nvPicPr>
+        <p:blipFill>
           <a:blip r:embed="rId8"/>
           <a:stretch>
             <a:fillRect/>
@@ -7057,8 +7055,152 @@
         </p:blipFill>
         <p:spPr>
           <a:xfrm>
-            <a:off x="8895801" y="984353"/>
-            <a:ext cx="652888" cy="341678"/>
+            <a:off x="10332427" y="3025135"/>
+            <a:ext cx="606353" cy="606353"/>
+          </a:xfrm>
+          <a:prstGeom prst="rect">
+            <a:avLst/>
+          </a:prstGeom>
+        </p:spPr>
+      </p:pic>
+      <p:pic>
+        <p:nvPicPr>
+          <p:cNvPr id="7" name="Picture 6">
+            <a:extLst>
+              <a:ext uri="{FF2B5EF4-FFF2-40B4-BE49-F238E27FC236}">
+                <a16:creationId xmlns:a16="http://schemas.microsoft.com/office/drawing/2014/main" id="{0510CBDC-4BF1-2041-A80E-BF42BF7CEE56}"/>
+              </a:ext>
+            </a:extLst>
+          </p:cNvPr>
+          <p:cNvPicPr>
+            <a:picLocks noChangeAspect="1"/>
+          </p:cNvPicPr>
+          <p:nvPr/>
+        </p:nvPicPr>
+        <p:blipFill>
+          <a:blip r:embed="rId9"/>
+          <a:stretch>
+            <a:fillRect/>
+          </a:stretch>
+        </p:blipFill>
+        <p:spPr>
+          <a:xfrm>
+            <a:off x="7881778" y="4595954"/>
+            <a:ext cx="428949" cy="368683"/>
+          </a:xfrm>
+          <a:prstGeom prst="rect">
+            <a:avLst/>
+          </a:prstGeom>
+        </p:spPr>
+      </p:pic>
+      <p:pic>
+        <p:nvPicPr>
+          <p:cNvPr id="56" name="Graphic 55" descr="Line Arrow: Counterclockwise curve">
+            <a:extLst>
+              <a:ext uri="{FF2B5EF4-FFF2-40B4-BE49-F238E27FC236}">
+                <a16:creationId xmlns:a16="http://schemas.microsoft.com/office/drawing/2014/main" id="{CA71921C-9FD4-814D-AFE3-F2677DD46D6D}"/>
+              </a:ext>
+            </a:extLst>
+          </p:cNvPr>
+          <p:cNvPicPr>
+            <a:picLocks noChangeAspect="1"/>
+          </p:cNvPicPr>
+          <p:nvPr/>
+        </p:nvPicPr>
+        <p:blipFill>
+          <a:blip r:embed="rId10">
+            <a:extLst>
+              <a:ext uri="{96DAC541-7B7A-43D3-8B79-37D633B846F1}">
+                <asvg:svgBlip xmlns:asvg="http://schemas.microsoft.com/office/drawing/2016/SVG/main" r:embed="rId11"/>
+              </a:ext>
+            </a:extLst>
+          </a:blip>
+          <a:stretch>
+            <a:fillRect/>
+          </a:stretch>
+        </p:blipFill>
+        <p:spPr>
+          <a:xfrm rot="18171600">
+            <a:off x="9104001" y="2424353"/>
+            <a:ext cx="708163" cy="708163"/>
+          </a:xfrm>
+          <a:prstGeom prst="rect">
+            <a:avLst/>
+          </a:prstGeom>
+        </p:spPr>
+      </p:pic>
+      <p:pic>
+        <p:nvPicPr>
+          <p:cNvPr id="57" name="Graphic 56" descr="Line Arrow: Counterclockwise curve">
+            <a:extLst>
+              <a:ext uri="{FF2B5EF4-FFF2-40B4-BE49-F238E27FC236}">
+                <a16:creationId xmlns:a16="http://schemas.microsoft.com/office/drawing/2014/main" id="{D5CD84A5-BC82-0949-AD69-85D3413619E3}"/>
+              </a:ext>
+            </a:extLst>
+          </p:cNvPr>
+          <p:cNvPicPr>
+            <a:picLocks noChangeAspect="1"/>
+          </p:cNvPicPr>
+          <p:nvPr/>
+        </p:nvPicPr>
+        <p:blipFill>
+          <a:blip r:embed="rId10">
+            <a:extLst>
+              <a:ext uri="{96DAC541-7B7A-43D3-8B79-37D633B846F1}">
+                <asvg:svgBlip xmlns:asvg="http://schemas.microsoft.com/office/drawing/2016/SVG/main" r:embed="rId11"/>
+              </a:ext>
+            </a:extLst>
+          </a:blip>
+          <a:stretch>
+            <a:fillRect/>
+          </a:stretch>
+        </p:blipFill>
+        <p:spPr>
+          <a:xfrm rot="15356571" flipH="1" flipV="1">
+            <a:off x="9099492" y="4658811"/>
+            <a:ext cx="825932" cy="825932"/>
+          </a:xfrm>
+          <a:prstGeom prst="rect">
+            <a:avLst/>
+          </a:prstGeom>
+        </p:spPr>
+      </p:pic>
+      <p:pic>
+        <p:nvPicPr>
+          <p:cNvPr id="10" name="Picture 9">
+            <a:extLst>
+              <a:ext uri="{FF2B5EF4-FFF2-40B4-BE49-F238E27FC236}">
+                <a16:creationId xmlns:a16="http://schemas.microsoft.com/office/drawing/2014/main" id="{F1CFD8D6-A9A3-4142-9BAD-17F745DCEC57}"/>
+              </a:ext>
+            </a:extLst>
+          </p:cNvPr>
+          <p:cNvPicPr>
+            <a:picLocks noChangeAspect="1"/>
+          </p:cNvPicPr>
+          <p:nvPr/>
+        </p:nvPicPr>
+        <p:blipFill>
+          <a:blip r:embed="rId12">
+            <a:extLst>
+              <a:ext uri="{BEBA8EAE-BF5A-486C-A8C5-ECC9F3942E4B}">
+                <a14:imgProps xmlns:a14="http://schemas.microsoft.com/office/drawing/2010/main">
+                  <a14:imgLayer r:embed="rId13">
+                    <a14:imgEffect>
+                      <a14:brightnessContrast bright="100000" contrast="100000"/>
+                    </a14:imgEffect>
+                  </a14:imgLayer>
+                </a14:imgProps>
+              </a:ext>
+            </a:extLst>
+          </a:blip>
+          <a:stretch>
+            <a:fillRect/>
+          </a:stretch>
+        </p:blipFill>
+        <p:spPr>
+          <a:xfrm>
+            <a:off x="1077317" y="4916085"/>
+            <a:ext cx="2590238" cy="1295119"/>
           </a:xfrm>
           <a:prstGeom prst="rect">
             <a:avLst/>
@@ -7079,12 +7221,12 @@
 </file>
 
 <file path=ppt/slides/slide4.xml><?xml version="1.0" encoding="utf-8"?>
-<p:sld xmlns:a="http://schemas.openxmlformats.org/drawingml/2006/main" xmlns:r="http://schemas.openxmlformats.org/officeDocument/2006/relationships" xmlns:p="http://schemas.openxmlformats.org/presentationml/2006/main" show="0">
+<p:sld xmlns:a="http://schemas.openxmlformats.org/drawingml/2006/main" xmlns:r="http://schemas.openxmlformats.org/officeDocument/2006/relationships" xmlns:p="http://schemas.openxmlformats.org/presentationml/2006/main">
   <p:cSld>
     <p:bg>
       <p:bgPr>
         <a:solidFill>
-          <a:schemeClr val="bg1"/>
+          <a:srgbClr val="5CAAD8"/>
         </a:solidFill>
         <a:effectLst/>
       </p:bgPr>
@@ -7105,10 +7247,10 @@
       </p:grpSpPr>
       <p:pic>
         <p:nvPicPr>
-          <p:cNvPr id="5" name="Picture 4">
-            <a:extLst>
-              <a:ext uri="{FF2B5EF4-FFF2-40B4-BE49-F238E27FC236}">
-                <a16:creationId xmlns:a16="http://schemas.microsoft.com/office/drawing/2014/main" id="{2E538B7F-D792-BE44-9F0B-D45E61553EFD}"/>
+          <p:cNvPr id="9" name="Picture 8">
+            <a:extLst>
+              <a:ext uri="{FF2B5EF4-FFF2-40B4-BE49-F238E27FC236}">
+                <a16:creationId xmlns:a16="http://schemas.microsoft.com/office/drawing/2014/main" id="{5F16D5D8-EC52-ED49-9370-7D1230AB8198}"/>
               </a:ext>
             </a:extLst>
           </p:cNvPr>
@@ -7119,13 +7261,13 @@
         </p:nvPicPr>
         <p:blipFill rotWithShape="1">
           <a:blip r:embed="rId2"/>
-          <a:srcRect b="4011"/>
+          <a:srcRect t="3808" r="7006" b="9743"/>
           <a:stretch/>
         </p:blipFill>
         <p:spPr>
           <a:xfrm>
-            <a:off x="668181" y="2603354"/>
-            <a:ext cx="10905066" cy="3846865"/>
+            <a:off x="4814901" y="0"/>
+            <a:ext cx="7377100" cy="6858000"/>
           </a:xfrm>
           <a:prstGeom prst="rect">
             <a:avLst/>
@@ -7134,10 +7276,10 @@
       </p:pic>
       <p:sp>
         <p:nvSpPr>
-          <p:cNvPr id="17" name="Oval 16">
-            <a:extLst>
-              <a:ext uri="{FF2B5EF4-FFF2-40B4-BE49-F238E27FC236}">
-                <a16:creationId xmlns:a16="http://schemas.microsoft.com/office/drawing/2014/main" id="{AAA00DC6-3123-5B48-87E8-D699227C6108}"/>
+          <p:cNvPr id="6" name="Rectangle 5">
+            <a:extLst>
+              <a:ext uri="{FF2B5EF4-FFF2-40B4-BE49-F238E27FC236}">
+                <a16:creationId xmlns:a16="http://schemas.microsoft.com/office/drawing/2014/main" id="{B627A196-592A-BC45-9A35-D2322EE2008D}"/>
               </a:ext>
             </a:extLst>
           </p:cNvPr>
@@ -7146,1189 +7288,113 @@
         </p:nvSpPr>
         <p:spPr>
           <a:xfrm>
-            <a:off x="10478529" y="2028450"/>
-            <a:ext cx="518984" cy="518984"/>
-          </a:xfrm>
-          <a:prstGeom prst="ellipse">
-            <a:avLst/>
-          </a:prstGeom>
-        </p:spPr>
-        <p:style>
-          <a:lnRef idx="3">
-            <a:schemeClr val="lt1"/>
-          </a:lnRef>
-          <a:fillRef idx="1">
-            <a:schemeClr val="accent6"/>
-          </a:fillRef>
-          <a:effectRef idx="1">
-            <a:schemeClr val="accent6"/>
-          </a:effectRef>
-          <a:fontRef idx="minor">
-            <a:schemeClr val="lt1"/>
-          </a:fontRef>
-        </p:style>
-        <p:txBody>
-          <a:bodyPr rtlCol="0" anchor="ctr"/>
-          <a:lstStyle/>
-          <a:p>
-            <a:pPr algn="ctr"/>
-            <a:r>
-              <a:rPr lang="en-US" dirty="0"/>
-              <a:t>1</a:t>
-            </a:r>
-          </a:p>
-        </p:txBody>
-      </p:sp>
-      <p:sp>
-        <p:nvSpPr>
-          <p:cNvPr id="18" name="Oval 17">
-            <a:extLst>
-              <a:ext uri="{FF2B5EF4-FFF2-40B4-BE49-F238E27FC236}">
-                <a16:creationId xmlns:a16="http://schemas.microsoft.com/office/drawing/2014/main" id="{849FA271-8D10-324E-90DB-A23DD02F2961}"/>
-              </a:ext>
-            </a:extLst>
-          </p:cNvPr>
-          <p:cNvSpPr/>
-          <p:nvPr/>
-        </p:nvSpPr>
-        <p:spPr>
-          <a:xfrm>
-            <a:off x="8629135" y="2028450"/>
-            <a:ext cx="518984" cy="518984"/>
-          </a:xfrm>
-          <a:prstGeom prst="ellipse">
-            <a:avLst/>
-          </a:prstGeom>
-        </p:spPr>
-        <p:style>
-          <a:lnRef idx="3">
-            <a:schemeClr val="lt1"/>
-          </a:lnRef>
-          <a:fillRef idx="1">
-            <a:schemeClr val="accent6"/>
-          </a:fillRef>
-          <a:effectRef idx="1">
-            <a:schemeClr val="accent6"/>
-          </a:effectRef>
-          <a:fontRef idx="minor">
-            <a:schemeClr val="lt1"/>
-          </a:fontRef>
-        </p:style>
-        <p:txBody>
-          <a:bodyPr rtlCol="0" anchor="ctr"/>
-          <a:lstStyle/>
-          <a:p>
-            <a:pPr algn="ctr"/>
-            <a:r>
-              <a:rPr lang="en-US" dirty="0"/>
-              <a:t>2</a:t>
-            </a:r>
-          </a:p>
-        </p:txBody>
-      </p:sp>
-      <p:sp>
-        <p:nvSpPr>
-          <p:cNvPr id="19" name="Oval 18">
-            <a:extLst>
-              <a:ext uri="{FF2B5EF4-FFF2-40B4-BE49-F238E27FC236}">
-                <a16:creationId xmlns:a16="http://schemas.microsoft.com/office/drawing/2014/main" id="{DB336EEC-93B0-094E-B85A-A2CE9C3FC051}"/>
-              </a:ext>
-            </a:extLst>
-          </p:cNvPr>
-          <p:cNvSpPr/>
-          <p:nvPr/>
-        </p:nvSpPr>
-        <p:spPr>
-          <a:xfrm>
-            <a:off x="6777552" y="2028450"/>
-            <a:ext cx="518984" cy="518984"/>
-          </a:xfrm>
-          <a:prstGeom prst="ellipse">
-            <a:avLst/>
-          </a:prstGeom>
-        </p:spPr>
-        <p:style>
-          <a:lnRef idx="3">
-            <a:schemeClr val="lt1"/>
-          </a:lnRef>
-          <a:fillRef idx="1">
-            <a:schemeClr val="accent6"/>
-          </a:fillRef>
-          <a:effectRef idx="1">
-            <a:schemeClr val="accent6"/>
-          </a:effectRef>
-          <a:fontRef idx="minor">
-            <a:schemeClr val="lt1"/>
-          </a:fontRef>
-        </p:style>
-        <p:txBody>
-          <a:bodyPr rtlCol="0" anchor="ctr"/>
-          <a:lstStyle/>
-          <a:p>
-            <a:pPr algn="ctr"/>
-            <a:r>
-              <a:rPr lang="en-US" dirty="0"/>
-              <a:t>3</a:t>
-            </a:r>
-          </a:p>
-        </p:txBody>
-      </p:sp>
-      <p:sp>
-        <p:nvSpPr>
-          <p:cNvPr id="20" name="Oval 19">
-            <a:extLst>
-              <a:ext uri="{FF2B5EF4-FFF2-40B4-BE49-F238E27FC236}">
-                <a16:creationId xmlns:a16="http://schemas.microsoft.com/office/drawing/2014/main" id="{31A77C59-07ED-5244-99BA-8470AF76CA5D}"/>
-              </a:ext>
-            </a:extLst>
-          </p:cNvPr>
-          <p:cNvSpPr/>
-          <p:nvPr/>
-        </p:nvSpPr>
-        <p:spPr>
-          <a:xfrm>
-            <a:off x="2784388" y="2028450"/>
-            <a:ext cx="518984" cy="518984"/>
-          </a:xfrm>
-          <a:prstGeom prst="ellipse">
-            <a:avLst/>
-          </a:prstGeom>
-        </p:spPr>
-        <p:style>
-          <a:lnRef idx="3">
-            <a:schemeClr val="lt1"/>
-          </a:lnRef>
-          <a:fillRef idx="1">
-            <a:schemeClr val="accent6"/>
-          </a:fillRef>
-          <a:effectRef idx="1">
-            <a:schemeClr val="accent6"/>
-          </a:effectRef>
-          <a:fontRef idx="minor">
-            <a:schemeClr val="lt1"/>
-          </a:fontRef>
-        </p:style>
-        <p:txBody>
-          <a:bodyPr rtlCol="0" anchor="ctr"/>
-          <a:lstStyle/>
-          <a:p>
-            <a:pPr algn="ctr"/>
-            <a:r>
-              <a:rPr lang="en-US" dirty="0"/>
-              <a:t>4</a:t>
-            </a:r>
-          </a:p>
-        </p:txBody>
-      </p:sp>
-      <p:pic>
-        <p:nvPicPr>
-          <p:cNvPr id="34" name="Graphic 33" descr="Line Arrow: Counterclockwise curve">
-            <a:extLst>
-              <a:ext uri="{FF2B5EF4-FFF2-40B4-BE49-F238E27FC236}">
-                <a16:creationId xmlns:a16="http://schemas.microsoft.com/office/drawing/2014/main" id="{E3EE22C9-9CF4-364B-9993-06BC56C8F6A4}"/>
-              </a:ext>
-            </a:extLst>
-          </p:cNvPr>
-          <p:cNvPicPr>
-            <a:picLocks noChangeAspect="1"/>
-          </p:cNvPicPr>
-          <p:nvPr/>
-        </p:nvPicPr>
-        <p:blipFill>
-          <a:blip r:embed="rId3">
-            <a:extLst>
-              <a:ext uri="{96DAC541-7B7A-43D3-8B79-37D633B846F1}">
-                <asvg:svgBlip xmlns:asvg="http://schemas.microsoft.com/office/drawing/2016/SVG/main" r:embed="rId4"/>
-              </a:ext>
-            </a:extLst>
-          </a:blip>
-          <a:stretch>
-            <a:fillRect/>
-          </a:stretch>
-        </p:blipFill>
-        <p:spPr>
-          <a:xfrm rot="20331893">
-            <a:off x="9981309" y="869748"/>
-            <a:ext cx="875345" cy="875345"/>
+            <a:off x="334502" y="328139"/>
+            <a:ext cx="6759133" cy="646331"/>
           </a:xfrm>
           <a:prstGeom prst="rect">
             <a:avLst/>
           </a:prstGeom>
         </p:spPr>
-      </p:pic>
-      <p:pic>
-        <p:nvPicPr>
-          <p:cNvPr id="38" name="Graphic 37" descr="Line Arrow: Counterclockwise curve">
-            <a:extLst>
-              <a:ext uri="{FF2B5EF4-FFF2-40B4-BE49-F238E27FC236}">
-                <a16:creationId xmlns:a16="http://schemas.microsoft.com/office/drawing/2014/main" id="{F3B97CD4-33A8-7B4E-B932-59BD1351DBE8}"/>
-              </a:ext>
-            </a:extLst>
-          </p:cNvPr>
-          <p:cNvPicPr>
-            <a:picLocks noChangeAspect="1"/>
-          </p:cNvPicPr>
-          <p:nvPr/>
-        </p:nvPicPr>
-        <p:blipFill>
-          <a:blip r:embed="rId3">
-            <a:extLst>
-              <a:ext uri="{96DAC541-7B7A-43D3-8B79-37D633B846F1}">
-                <asvg:svgBlip xmlns:asvg="http://schemas.microsoft.com/office/drawing/2016/SVG/main" r:embed="rId4"/>
-              </a:ext>
-            </a:extLst>
-          </a:blip>
-          <a:stretch>
-            <a:fillRect/>
-          </a:stretch>
-        </p:blipFill>
-        <p:spPr>
-          <a:xfrm rot="13803304">
-            <a:off x="1129232" y="1000619"/>
-            <a:ext cx="914400" cy="914400"/>
-          </a:xfrm>
-          <a:prstGeom prst="rect">
-            <a:avLst/>
-          </a:prstGeom>
-        </p:spPr>
-      </p:pic>
-      <p:sp>
-        <p:nvSpPr>
-          <p:cNvPr id="3" name="Rounded Rectangle 2">
-            <a:extLst>
-              <a:ext uri="{FF2B5EF4-FFF2-40B4-BE49-F238E27FC236}">
-                <a16:creationId xmlns:a16="http://schemas.microsoft.com/office/drawing/2014/main" id="{FF41A735-6A66-3741-A6C2-88F675B6D984}"/>
-              </a:ext>
-            </a:extLst>
-          </p:cNvPr>
-          <p:cNvSpPr/>
-          <p:nvPr/>
-        </p:nvSpPr>
-        <p:spPr>
-          <a:xfrm>
-            <a:off x="8555671" y="688322"/>
-            <a:ext cx="1381114" cy="1106899"/>
-          </a:xfrm>
-          <a:prstGeom prst="roundRect">
-            <a:avLst/>
-          </a:prstGeom>
-        </p:spPr>
-        <p:style>
-          <a:lnRef idx="3">
-            <a:schemeClr val="lt1"/>
-          </a:lnRef>
-          <a:fillRef idx="1">
-            <a:schemeClr val="accent1"/>
-          </a:fillRef>
-          <a:effectRef idx="1">
-            <a:schemeClr val="accent1"/>
-          </a:effectRef>
-          <a:fontRef idx="minor">
-            <a:schemeClr val="lt1"/>
-          </a:fontRef>
-        </p:style>
-        <p:txBody>
-          <a:bodyPr rtlCol="0" anchor="ctr"/>
-          <a:lstStyle/>
-          <a:p>
-            <a:pPr algn="ctr"/>
-            <a:endParaRPr lang="en-US" sz="2000" dirty="0">
-              <a:latin typeface="Segoe UI Historic" panose="020B0502040204020203" pitchFamily="34" charset="0"/>
-              <a:ea typeface="Segoe UI Historic" panose="020B0502040204020203" pitchFamily="34" charset="0"/>
-              <a:cs typeface="Segoe UI Historic" panose="020B0502040204020203" pitchFamily="34" charset="0"/>
-            </a:endParaRPr>
-          </a:p>
-          <a:p>
-            <a:pPr algn="ctr"/>
-            <a:r>
-              <a:rPr lang="en-US" sz="2000" dirty="0">
+        <p:txBody>
+          <a:bodyPr wrap="square">
+            <a:spAutoFit/>
+          </a:bodyPr>
+          <a:lstStyle/>
+          <a:p>
+            <a:r>
+              <a:rPr lang="en-US" sz="3600" b="1" dirty="0">
+                <a:solidFill>
+                  <a:schemeClr val="bg1"/>
+                </a:solidFill>
                 <a:latin typeface="Segoe UI Historic" panose="020B0502040204020203" pitchFamily="34" charset="0"/>
                 <a:ea typeface="Segoe UI Historic" panose="020B0502040204020203" pitchFamily="34" charset="0"/>
                 <a:cs typeface="Segoe UI Historic" panose="020B0502040204020203" pitchFamily="34" charset="0"/>
               </a:rPr>
-              <a:t>Cashier</a:t>
-            </a:r>
-          </a:p>
-          <a:p>
-            <a:pPr algn="ctr"/>
-            <a:r>
-              <a:rPr lang="en-US" sz="2000" dirty="0">
+              <a:t>Microservices Café Demo</a:t>
+            </a:r>
+          </a:p>
+        </p:txBody>
+      </p:sp>
+      <p:sp>
+        <p:nvSpPr>
+          <p:cNvPr id="7" name="Rectangle 6">
+            <a:extLst>
+              <a:ext uri="{FF2B5EF4-FFF2-40B4-BE49-F238E27FC236}">
+                <a16:creationId xmlns:a16="http://schemas.microsoft.com/office/drawing/2014/main" id="{2ACB61A5-82F0-AC49-8321-B1AB38CF28EE}"/>
+              </a:ext>
+            </a:extLst>
+          </p:cNvPr>
+          <p:cNvSpPr/>
+          <p:nvPr/>
+        </p:nvSpPr>
+        <p:spPr>
+          <a:xfrm>
+            <a:off x="334502" y="3730054"/>
+            <a:ext cx="5650176" cy="1015663"/>
+          </a:xfrm>
+          <a:prstGeom prst="rect">
+            <a:avLst/>
+          </a:prstGeom>
+        </p:spPr>
+        <p:txBody>
+          <a:bodyPr wrap="square">
+            <a:spAutoFit/>
+          </a:bodyPr>
+          <a:lstStyle/>
+          <a:p>
+            <a:r>
+              <a:rPr lang="en-US" sz="3200" b="1" dirty="0">
+                <a:solidFill>
+                  <a:schemeClr val="bg1"/>
+                </a:solidFill>
                 <a:latin typeface="Segoe UI Historic" panose="020B0502040204020203" pitchFamily="34" charset="0"/>
                 <a:ea typeface="Segoe UI Historic" panose="020B0502040204020203" pitchFamily="34" charset="0"/>
                 <a:cs typeface="Segoe UI Historic" panose="020B0502040204020203" pitchFamily="34" charset="0"/>
               </a:rPr>
-              <a:t>Service</a:t>
-            </a:r>
-          </a:p>
-        </p:txBody>
-      </p:sp>
-      <p:sp>
-        <p:nvSpPr>
-          <p:cNvPr id="16" name="Rounded Rectangle 15">
-            <a:extLst>
-              <a:ext uri="{FF2B5EF4-FFF2-40B4-BE49-F238E27FC236}">
-                <a16:creationId xmlns:a16="http://schemas.microsoft.com/office/drawing/2014/main" id="{0AFCEB28-36A8-E04C-A0AB-C23AC0411624}"/>
-              </a:ext>
-            </a:extLst>
-          </p:cNvPr>
-          <p:cNvSpPr/>
-          <p:nvPr/>
-        </p:nvSpPr>
-        <p:spPr>
-          <a:xfrm>
-            <a:off x="5647045" y="688323"/>
-            <a:ext cx="1381114" cy="1106898"/>
-          </a:xfrm>
-          <a:prstGeom prst="roundRect">
-            <a:avLst/>
-          </a:prstGeom>
-        </p:spPr>
-        <p:style>
-          <a:lnRef idx="3">
-            <a:schemeClr val="lt1"/>
-          </a:lnRef>
-          <a:fillRef idx="1">
-            <a:schemeClr val="accent1"/>
-          </a:fillRef>
-          <a:effectRef idx="1">
-            <a:schemeClr val="accent1"/>
-          </a:effectRef>
-          <a:fontRef idx="minor">
-            <a:schemeClr val="lt1"/>
-          </a:fontRef>
-        </p:style>
-        <p:txBody>
-          <a:bodyPr rtlCol="0" anchor="ctr"/>
-          <a:lstStyle/>
-          <a:p>
-            <a:pPr algn="ctr"/>
-            <a:endParaRPr lang="en-US" sz="2000" dirty="0">
-              <a:latin typeface="Segoe UI Historic" panose="020B0502040204020203" pitchFamily="34" charset="0"/>
-              <a:ea typeface="Segoe UI Historic" panose="020B0502040204020203" pitchFamily="34" charset="0"/>
-              <a:cs typeface="Segoe UI Historic" panose="020B0502040204020203" pitchFamily="34" charset="0"/>
-            </a:endParaRPr>
-          </a:p>
-          <a:p>
-            <a:pPr algn="ctr"/>
-            <a:r>
-              <a:rPr lang="en-US" sz="2000" dirty="0">
+              <a:t>Hands On Lab:</a:t>
+            </a:r>
+          </a:p>
+          <a:p>
+            <a:r>
+              <a:rPr lang="en-US" sz="2800" b="1" dirty="0">
+                <a:solidFill>
+                  <a:schemeClr val="bg1"/>
+                </a:solidFill>
                 <a:latin typeface="Segoe UI Historic" panose="020B0502040204020203" pitchFamily="34" charset="0"/>
                 <a:ea typeface="Segoe UI Historic" panose="020B0502040204020203" pitchFamily="34" charset="0"/>
                 <a:cs typeface="Segoe UI Historic" panose="020B0502040204020203" pitchFamily="34" charset="0"/>
               </a:rPr>
-              <a:t>Barista</a:t>
-            </a:r>
-          </a:p>
-          <a:p>
-            <a:pPr algn="ctr"/>
-            <a:r>
-              <a:rPr lang="en-US" sz="2000" dirty="0">
+              <a:t>http://</a:t>
+            </a:r>
+            <a:r>
+              <a:rPr lang="en-US" sz="2800" b="1" dirty="0" err="1">
+                <a:solidFill>
+                  <a:schemeClr val="bg1"/>
+                </a:solidFill>
                 <a:latin typeface="Segoe UI Historic" panose="020B0502040204020203" pitchFamily="34" charset="0"/>
                 <a:ea typeface="Segoe UI Historic" panose="020B0502040204020203" pitchFamily="34" charset="0"/>
                 <a:cs typeface="Segoe UI Historic" panose="020B0502040204020203" pitchFamily="34" charset="0"/>
               </a:rPr>
-              <a:t>Service</a:t>
-            </a:r>
-          </a:p>
-        </p:txBody>
-      </p:sp>
-      <p:sp>
-        <p:nvSpPr>
-          <p:cNvPr id="21" name="Rounded Rectangle 20">
-            <a:extLst>
-              <a:ext uri="{FF2B5EF4-FFF2-40B4-BE49-F238E27FC236}">
-                <a16:creationId xmlns:a16="http://schemas.microsoft.com/office/drawing/2014/main" id="{D011DD09-E933-0B4A-B17F-10591A5F6775}"/>
-              </a:ext>
-            </a:extLst>
-          </p:cNvPr>
-          <p:cNvSpPr/>
-          <p:nvPr/>
-        </p:nvSpPr>
-        <p:spPr>
-          <a:xfrm>
-            <a:off x="2124717" y="688323"/>
-            <a:ext cx="1771904" cy="1106898"/>
-          </a:xfrm>
-          <a:prstGeom prst="roundRect">
-            <a:avLst/>
-          </a:prstGeom>
-        </p:spPr>
-        <p:style>
-          <a:lnRef idx="3">
-            <a:schemeClr val="lt1"/>
-          </a:lnRef>
-          <a:fillRef idx="1">
-            <a:schemeClr val="accent1"/>
-          </a:fillRef>
-          <a:effectRef idx="1">
-            <a:schemeClr val="accent1"/>
-          </a:effectRef>
-          <a:fontRef idx="minor">
-            <a:schemeClr val="lt1"/>
-          </a:fontRef>
-        </p:style>
-        <p:txBody>
-          <a:bodyPr rtlCol="0" anchor="ctr"/>
-          <a:lstStyle/>
-          <a:p>
-            <a:pPr algn="ctr"/>
-            <a:endParaRPr lang="en-US" sz="2000" dirty="0">
-              <a:latin typeface="Segoe UI Historic" panose="020B0502040204020203" pitchFamily="34" charset="0"/>
-              <a:ea typeface="Segoe UI Historic" panose="020B0502040204020203" pitchFamily="34" charset="0"/>
-              <a:cs typeface="Segoe UI Historic" panose="020B0502040204020203" pitchFamily="34" charset="0"/>
-            </a:endParaRPr>
-          </a:p>
-          <a:p>
-            <a:pPr algn="ctr"/>
-            <a:r>
-              <a:rPr lang="en-US" sz="2000" dirty="0">
+              <a:t>aka.ms</a:t>
+            </a:r>
+            <a:r>
+              <a:rPr lang="en-US" sz="2800" b="1" dirty="0">
+                <a:solidFill>
+                  <a:schemeClr val="bg1"/>
+                </a:solidFill>
                 <a:latin typeface="Segoe UI Historic" panose="020B0502040204020203" pitchFamily="34" charset="0"/>
                 <a:ea typeface="Segoe UI Historic" panose="020B0502040204020203" pitchFamily="34" charset="0"/>
                 <a:cs typeface="Segoe UI Historic" panose="020B0502040204020203" pitchFamily="34" charset="0"/>
               </a:rPr>
-              <a:t>Dispatcher</a:t>
-            </a:r>
-          </a:p>
-          <a:p>
-            <a:pPr algn="ctr"/>
-            <a:r>
-              <a:rPr lang="en-US" sz="2000" dirty="0">
-                <a:latin typeface="Segoe UI Historic" panose="020B0502040204020203" pitchFamily="34" charset="0"/>
-                <a:ea typeface="Segoe UI Historic" panose="020B0502040204020203" pitchFamily="34" charset="0"/>
-                <a:cs typeface="Segoe UI Historic" panose="020B0502040204020203" pitchFamily="34" charset="0"/>
-              </a:rPr>
-              <a:t>Service</a:t>
-            </a:r>
-          </a:p>
-        </p:txBody>
-      </p:sp>
-      <p:sp>
-        <p:nvSpPr>
-          <p:cNvPr id="22" name="Can 21">
-            <a:extLst>
-              <a:ext uri="{FF2B5EF4-FFF2-40B4-BE49-F238E27FC236}">
-                <a16:creationId xmlns:a16="http://schemas.microsoft.com/office/drawing/2014/main" id="{7663BDB1-1181-DB44-AF39-4EAB7EEC6536}"/>
-              </a:ext>
-            </a:extLst>
-          </p:cNvPr>
-          <p:cNvSpPr/>
-          <p:nvPr/>
-        </p:nvSpPr>
-        <p:spPr>
-          <a:xfrm>
-            <a:off x="4454557" y="1169674"/>
-            <a:ext cx="635713" cy="1550089"/>
-          </a:xfrm>
-          <a:prstGeom prst="can">
-            <a:avLst/>
-          </a:prstGeom>
-        </p:spPr>
-        <p:style>
-          <a:lnRef idx="3">
-            <a:schemeClr val="lt1"/>
-          </a:lnRef>
-          <a:fillRef idx="1">
-            <a:schemeClr val="accent1"/>
-          </a:fillRef>
-          <a:effectRef idx="1">
-            <a:schemeClr val="accent1"/>
-          </a:effectRef>
-          <a:fontRef idx="minor">
-            <a:schemeClr val="lt1"/>
-          </a:fontRef>
-        </p:style>
-        <p:txBody>
-          <a:bodyPr vert="vert270" rtlCol="0" anchor="ctr"/>
-          <a:lstStyle/>
-          <a:p>
-            <a:pPr algn="ctr"/>
-            <a:r>
-              <a:rPr lang="en-US" sz="1600" dirty="0"/>
-              <a:t>   Completed Queue</a:t>
-            </a:r>
-          </a:p>
-        </p:txBody>
-      </p:sp>
-      <p:sp>
-        <p:nvSpPr>
-          <p:cNvPr id="27" name="Oval 26">
-            <a:extLst>
-              <a:ext uri="{FF2B5EF4-FFF2-40B4-BE49-F238E27FC236}">
-                <a16:creationId xmlns:a16="http://schemas.microsoft.com/office/drawing/2014/main" id="{C38F4550-F35E-0C4B-B846-48647F765E3C}"/>
-              </a:ext>
-            </a:extLst>
-          </p:cNvPr>
-          <p:cNvSpPr/>
-          <p:nvPr/>
-        </p:nvSpPr>
-        <p:spPr>
-          <a:xfrm>
-            <a:off x="1086499" y="2029211"/>
-            <a:ext cx="518984" cy="518984"/>
-          </a:xfrm>
-          <a:prstGeom prst="ellipse">
-            <a:avLst/>
-          </a:prstGeom>
-        </p:spPr>
-        <p:style>
-          <a:lnRef idx="3">
-            <a:schemeClr val="lt1"/>
-          </a:lnRef>
-          <a:fillRef idx="1">
-            <a:schemeClr val="accent6"/>
-          </a:fillRef>
-          <a:effectRef idx="1">
-            <a:schemeClr val="accent6"/>
-          </a:effectRef>
-          <a:fontRef idx="minor">
-            <a:schemeClr val="lt1"/>
-          </a:fontRef>
-        </p:style>
-        <p:txBody>
-          <a:bodyPr rtlCol="0" anchor="ctr"/>
-          <a:lstStyle/>
-          <a:p>
-            <a:pPr algn="ctr"/>
-            <a:r>
-              <a:rPr lang="en-US" dirty="0"/>
-              <a:t>5</a:t>
-            </a:r>
-          </a:p>
-        </p:txBody>
-      </p:sp>
-      <p:sp>
-        <p:nvSpPr>
-          <p:cNvPr id="6" name="Oval 5">
-            <a:extLst>
-              <a:ext uri="{FF2B5EF4-FFF2-40B4-BE49-F238E27FC236}">
-                <a16:creationId xmlns:a16="http://schemas.microsoft.com/office/drawing/2014/main" id="{00AEDE12-5FAF-B54A-82CF-DBD5B917B2AF}"/>
-              </a:ext>
-            </a:extLst>
-          </p:cNvPr>
-          <p:cNvSpPr/>
-          <p:nvPr/>
-        </p:nvSpPr>
-        <p:spPr>
-          <a:xfrm>
-            <a:off x="8930630" y="459185"/>
-            <a:ext cx="634198" cy="594799"/>
-          </a:xfrm>
-          <a:prstGeom prst="ellipse">
-            <a:avLst/>
-          </a:prstGeom>
-          <a:ln w="38100"/>
-        </p:spPr>
-        <p:style>
-          <a:lnRef idx="2">
-            <a:schemeClr val="accent1"/>
-          </a:lnRef>
-          <a:fillRef idx="1">
-            <a:schemeClr val="lt1"/>
-          </a:fillRef>
-          <a:effectRef idx="0">
-            <a:schemeClr val="accent1"/>
-          </a:effectRef>
-          <a:fontRef idx="minor">
-            <a:schemeClr val="dk1"/>
-          </a:fontRef>
-        </p:style>
-        <p:txBody>
-          <a:bodyPr rtlCol="0" anchor="ctr"/>
-          <a:lstStyle/>
-          <a:p>
-            <a:pPr algn="ctr"/>
-            <a:endParaRPr lang="en-US"/>
-          </a:p>
-        </p:txBody>
-      </p:sp>
-      <p:grpSp>
-        <p:nvGrpSpPr>
-          <p:cNvPr id="28" name="Group 27">
-            <a:extLst>
-              <a:ext uri="{FF2B5EF4-FFF2-40B4-BE49-F238E27FC236}">
-                <a16:creationId xmlns:a16="http://schemas.microsoft.com/office/drawing/2014/main" id="{83B7D20F-E026-9F4A-B33C-C3F6EF765803}"/>
-              </a:ext>
-            </a:extLst>
-          </p:cNvPr>
-          <p:cNvGrpSpPr/>
-          <p:nvPr/>
-        </p:nvGrpSpPr>
-        <p:grpSpPr>
-          <a:xfrm>
-            <a:off x="6038381" y="451923"/>
-            <a:ext cx="634198" cy="594799"/>
-            <a:chOff x="8905916" y="866966"/>
-            <a:chExt cx="634198" cy="594799"/>
-          </a:xfrm>
-        </p:grpSpPr>
-        <p:sp>
-          <p:nvSpPr>
-            <p:cNvPr id="29" name="Oval 28">
-              <a:extLst>
-                <a:ext uri="{FF2B5EF4-FFF2-40B4-BE49-F238E27FC236}">
-                  <a16:creationId xmlns:a16="http://schemas.microsoft.com/office/drawing/2014/main" id="{BAEE5240-3A20-984A-B84C-E98D5D1469A3}"/>
-                </a:ext>
-              </a:extLst>
-            </p:cNvPr>
-            <p:cNvSpPr/>
-            <p:nvPr/>
-          </p:nvSpPr>
-          <p:spPr>
-            <a:xfrm>
-              <a:off x="8905916" y="866966"/>
-              <a:ext cx="634198" cy="594799"/>
-            </a:xfrm>
-            <a:prstGeom prst="ellipse">
-              <a:avLst/>
-            </a:prstGeom>
-            <a:ln w="38100"/>
-          </p:spPr>
-          <p:style>
-            <a:lnRef idx="2">
-              <a:schemeClr val="accent1"/>
-            </a:lnRef>
-            <a:fillRef idx="1">
-              <a:schemeClr val="lt1"/>
-            </a:fillRef>
-            <a:effectRef idx="0">
-              <a:schemeClr val="accent1"/>
-            </a:effectRef>
-            <a:fontRef idx="minor">
-              <a:schemeClr val="dk1"/>
-            </a:fontRef>
-          </p:style>
-          <p:txBody>
-            <a:bodyPr rtlCol="0" anchor="ctr"/>
-            <a:lstStyle/>
-            <a:p>
-              <a:pPr algn="ctr"/>
-              <a:endParaRPr lang="en-US"/>
-            </a:p>
-          </p:txBody>
-        </p:sp>
-        <p:pic>
-          <p:nvPicPr>
-            <p:cNvPr id="30" name="Picture 29">
-              <a:extLst>
-                <a:ext uri="{FF2B5EF4-FFF2-40B4-BE49-F238E27FC236}">
-                  <a16:creationId xmlns:a16="http://schemas.microsoft.com/office/drawing/2014/main" id="{9E9FB400-0C08-884D-BDF1-9FFEEB9564D6}"/>
-                </a:ext>
-              </a:extLst>
-            </p:cNvPr>
-            <p:cNvPicPr>
-              <a:picLocks noChangeAspect="1"/>
-            </p:cNvPicPr>
-            <p:nvPr/>
-          </p:nvPicPr>
-          <p:blipFill>
-            <a:blip r:embed="rId5"/>
-            <a:stretch>
-              <a:fillRect/>
-            </a:stretch>
-          </p:blipFill>
-          <p:spPr>
-            <a:xfrm>
-              <a:off x="9013282" y="953674"/>
-              <a:ext cx="434398" cy="434398"/>
-            </a:xfrm>
-            <a:prstGeom prst="rect">
-              <a:avLst/>
-            </a:prstGeom>
-          </p:spPr>
-        </p:pic>
-      </p:grpSp>
-      <p:sp>
-        <p:nvSpPr>
-          <p:cNvPr id="32" name="Oval 31">
-            <a:extLst>
-              <a:ext uri="{FF2B5EF4-FFF2-40B4-BE49-F238E27FC236}">
-                <a16:creationId xmlns:a16="http://schemas.microsoft.com/office/drawing/2014/main" id="{A185D49E-2D5D-8D40-833F-9F8CD0BADC9C}"/>
-              </a:ext>
-            </a:extLst>
-          </p:cNvPr>
-          <p:cNvSpPr/>
-          <p:nvPr/>
-        </p:nvSpPr>
-        <p:spPr>
-          <a:xfrm>
-            <a:off x="2712038" y="438716"/>
-            <a:ext cx="634198" cy="594799"/>
-          </a:xfrm>
-          <a:prstGeom prst="ellipse">
-            <a:avLst/>
-          </a:prstGeom>
-          <a:ln w="38100"/>
-        </p:spPr>
-        <p:style>
-          <a:lnRef idx="2">
-            <a:schemeClr val="accent1"/>
-          </a:lnRef>
-          <a:fillRef idx="1">
-            <a:schemeClr val="lt1"/>
-          </a:fillRef>
-          <a:effectRef idx="0">
-            <a:schemeClr val="accent1"/>
-          </a:effectRef>
-          <a:fontRef idx="minor">
-            <a:schemeClr val="dk1"/>
-          </a:fontRef>
-        </p:style>
-        <p:txBody>
-          <a:bodyPr rtlCol="0" anchor="ctr"/>
-          <a:lstStyle/>
-          <a:p>
-            <a:pPr algn="ctr"/>
-            <a:endParaRPr lang="en-US"/>
-          </a:p>
-        </p:txBody>
-      </p:sp>
-      <p:pic>
-        <p:nvPicPr>
-          <p:cNvPr id="8" name="Picture 7">
-            <a:extLst>
-              <a:ext uri="{FF2B5EF4-FFF2-40B4-BE49-F238E27FC236}">
-                <a16:creationId xmlns:a16="http://schemas.microsoft.com/office/drawing/2014/main" id="{32688FF6-04B1-284B-9E10-0A2582C742EE}"/>
-              </a:ext>
-            </a:extLst>
-          </p:cNvPr>
-          <p:cNvPicPr>
-            <a:picLocks noChangeAspect="1"/>
-          </p:cNvPicPr>
-          <p:nvPr/>
-        </p:nvPicPr>
-        <p:blipFill>
-          <a:blip r:embed="rId6"/>
-          <a:stretch>
-            <a:fillRect/>
-          </a:stretch>
-        </p:blipFill>
-        <p:spPr>
-          <a:xfrm>
-            <a:off x="2747317" y="610282"/>
-            <a:ext cx="564860" cy="295610"/>
-          </a:xfrm>
-          <a:prstGeom prst="rect">
-            <a:avLst/>
-          </a:prstGeom>
-        </p:spPr>
-      </p:pic>
-      <p:grpSp>
-        <p:nvGrpSpPr>
-          <p:cNvPr id="36" name="Group 35">
-            <a:extLst>
-              <a:ext uri="{FF2B5EF4-FFF2-40B4-BE49-F238E27FC236}">
-                <a16:creationId xmlns:a16="http://schemas.microsoft.com/office/drawing/2014/main" id="{C3CE41B7-F659-1248-8B6E-AC71C7DD9D92}"/>
-              </a:ext>
-            </a:extLst>
-          </p:cNvPr>
-          <p:cNvGrpSpPr/>
-          <p:nvPr/>
-        </p:nvGrpSpPr>
-        <p:grpSpPr>
-          <a:xfrm>
-            <a:off x="4440269" y="2455213"/>
-            <a:ext cx="669720" cy="594799"/>
-            <a:chOff x="6362301" y="85706"/>
-            <a:chExt cx="669720" cy="594799"/>
-          </a:xfrm>
-        </p:grpSpPr>
-        <p:sp>
-          <p:nvSpPr>
-            <p:cNvPr id="37" name="Oval 36">
-              <a:extLst>
-                <a:ext uri="{FF2B5EF4-FFF2-40B4-BE49-F238E27FC236}">
-                  <a16:creationId xmlns:a16="http://schemas.microsoft.com/office/drawing/2014/main" id="{C5AE951D-928D-B941-867A-A2C7B337A897}"/>
-                </a:ext>
-              </a:extLst>
-            </p:cNvPr>
-            <p:cNvSpPr/>
-            <p:nvPr/>
-          </p:nvSpPr>
-          <p:spPr>
-            <a:xfrm>
-              <a:off x="6373521" y="85706"/>
-              <a:ext cx="634198" cy="594799"/>
-            </a:xfrm>
-            <a:prstGeom prst="ellipse">
-              <a:avLst/>
-            </a:prstGeom>
-            <a:ln w="38100"/>
-          </p:spPr>
-          <p:style>
-            <a:lnRef idx="2">
-              <a:schemeClr val="accent1"/>
-            </a:lnRef>
-            <a:fillRef idx="1">
-              <a:schemeClr val="lt1"/>
-            </a:fillRef>
-            <a:effectRef idx="0">
-              <a:schemeClr val="accent1"/>
-            </a:effectRef>
-            <a:fontRef idx="minor">
-              <a:schemeClr val="dk1"/>
-            </a:fontRef>
-          </p:style>
-          <p:txBody>
-            <a:bodyPr rtlCol="0" anchor="ctr"/>
-            <a:lstStyle/>
-            <a:p>
-              <a:pPr algn="ctr"/>
-              <a:endParaRPr lang="en-US"/>
-            </a:p>
-          </p:txBody>
-        </p:sp>
-        <p:pic>
-          <p:nvPicPr>
-            <p:cNvPr id="39" name="Picture 38">
-              <a:extLst>
-                <a:ext uri="{FF2B5EF4-FFF2-40B4-BE49-F238E27FC236}">
-                  <a16:creationId xmlns:a16="http://schemas.microsoft.com/office/drawing/2014/main" id="{AA58EC83-E149-2645-95A2-A7BFC14D70F2}"/>
-                </a:ext>
-              </a:extLst>
-            </p:cNvPr>
-            <p:cNvPicPr>
-              <a:picLocks noChangeAspect="1"/>
-            </p:cNvPicPr>
-            <p:nvPr/>
-          </p:nvPicPr>
-          <p:blipFill>
-            <a:blip r:embed="rId7"/>
-            <a:stretch>
-              <a:fillRect/>
-            </a:stretch>
-          </p:blipFill>
-          <p:spPr>
-            <a:xfrm>
-              <a:off x="6362301" y="213582"/>
-              <a:ext cx="669720" cy="350487"/>
-            </a:xfrm>
-            <a:prstGeom prst="rect">
-              <a:avLst/>
-            </a:prstGeom>
-          </p:spPr>
-        </p:pic>
-      </p:grpSp>
-      <p:pic>
-        <p:nvPicPr>
-          <p:cNvPr id="42" name="Graphic 41" descr="Line Arrow: Counterclockwise curve">
-            <a:extLst>
-              <a:ext uri="{FF2B5EF4-FFF2-40B4-BE49-F238E27FC236}">
-                <a16:creationId xmlns:a16="http://schemas.microsoft.com/office/drawing/2014/main" id="{87B8AA35-07E5-4843-8DE3-2484D934A64A}"/>
-              </a:ext>
-            </a:extLst>
-          </p:cNvPr>
-          <p:cNvPicPr>
-            <a:picLocks noChangeAspect="1"/>
-          </p:cNvPicPr>
-          <p:nvPr/>
-        </p:nvPicPr>
-        <p:blipFill>
-          <a:blip r:embed="rId3">
-            <a:extLst>
-              <a:ext uri="{96DAC541-7B7A-43D3-8B79-37D633B846F1}">
-                <asvg:svgBlip xmlns:asvg="http://schemas.microsoft.com/office/drawing/2016/SVG/main" r:embed="rId4"/>
-              </a:ext>
-            </a:extLst>
-          </a:blip>
-          <a:stretch>
-            <a:fillRect/>
-          </a:stretch>
-        </p:blipFill>
-        <p:spPr>
-          <a:xfrm rot="18171600">
-            <a:off x="3949022" y="555568"/>
-            <a:ext cx="708163" cy="708163"/>
-          </a:xfrm>
-          <a:prstGeom prst="rect">
-            <a:avLst/>
-          </a:prstGeom>
-        </p:spPr>
-      </p:pic>
-      <p:pic>
-        <p:nvPicPr>
-          <p:cNvPr id="43" name="Graphic 42" descr="Line Arrow: Counterclockwise curve">
-            <a:extLst>
-              <a:ext uri="{FF2B5EF4-FFF2-40B4-BE49-F238E27FC236}">
-                <a16:creationId xmlns:a16="http://schemas.microsoft.com/office/drawing/2014/main" id="{E427DA67-F1DB-EF42-9E64-AF4B97B6F391}"/>
-              </a:ext>
-            </a:extLst>
-          </p:cNvPr>
-          <p:cNvPicPr>
-            <a:picLocks noChangeAspect="1"/>
-          </p:cNvPicPr>
-          <p:nvPr/>
-        </p:nvPicPr>
-        <p:blipFill>
-          <a:blip r:embed="rId3">
-            <a:extLst>
-              <a:ext uri="{96DAC541-7B7A-43D3-8B79-37D633B846F1}">
-                <asvg:svgBlip xmlns:asvg="http://schemas.microsoft.com/office/drawing/2016/SVG/main" r:embed="rId4"/>
-              </a:ext>
-            </a:extLst>
-          </a:blip>
-          <a:stretch>
-            <a:fillRect/>
-          </a:stretch>
-        </p:blipFill>
-        <p:spPr>
-          <a:xfrm rot="15075446">
-            <a:off x="4827020" y="523886"/>
-            <a:ext cx="715449" cy="715449"/>
-          </a:xfrm>
-          <a:prstGeom prst="rect">
-            <a:avLst/>
-          </a:prstGeom>
-        </p:spPr>
-      </p:pic>
-      <p:pic>
-        <p:nvPicPr>
-          <p:cNvPr id="44" name="Graphic 43" descr="Line Arrow: Counterclockwise curve">
-            <a:extLst>
-              <a:ext uri="{FF2B5EF4-FFF2-40B4-BE49-F238E27FC236}">
-                <a16:creationId xmlns:a16="http://schemas.microsoft.com/office/drawing/2014/main" id="{FA4CCE07-F7C4-BF46-A662-86095938BAB1}"/>
-              </a:ext>
-            </a:extLst>
-          </p:cNvPr>
-          <p:cNvPicPr>
-            <a:picLocks noChangeAspect="1"/>
-          </p:cNvPicPr>
-          <p:nvPr/>
-        </p:nvPicPr>
-        <p:blipFill>
-          <a:blip r:embed="rId3">
-            <a:extLst>
-              <a:ext uri="{96DAC541-7B7A-43D3-8B79-37D633B846F1}">
-                <asvg:svgBlip xmlns:asvg="http://schemas.microsoft.com/office/drawing/2016/SVG/main" r:embed="rId4"/>
-              </a:ext>
-            </a:extLst>
-          </a:blip>
-          <a:stretch>
-            <a:fillRect/>
-          </a:stretch>
-        </p:blipFill>
-        <p:spPr>
-          <a:xfrm rot="18171600">
-            <a:off x="7064060" y="566372"/>
-            <a:ext cx="708163" cy="708163"/>
-          </a:xfrm>
-          <a:prstGeom prst="rect">
-            <a:avLst/>
-          </a:prstGeom>
-        </p:spPr>
-      </p:pic>
-      <p:pic>
-        <p:nvPicPr>
-          <p:cNvPr id="45" name="Graphic 44" descr="Line Arrow: Counterclockwise curve">
-            <a:extLst>
-              <a:ext uri="{FF2B5EF4-FFF2-40B4-BE49-F238E27FC236}">
-                <a16:creationId xmlns:a16="http://schemas.microsoft.com/office/drawing/2014/main" id="{E34DA678-EBEB-D44F-BC14-4D33E0825BDD}"/>
-              </a:ext>
-            </a:extLst>
-          </p:cNvPr>
-          <p:cNvPicPr>
-            <a:picLocks noChangeAspect="1"/>
-          </p:cNvPicPr>
-          <p:nvPr/>
-        </p:nvPicPr>
-        <p:blipFill>
-          <a:blip r:embed="rId3">
-            <a:extLst>
-              <a:ext uri="{96DAC541-7B7A-43D3-8B79-37D633B846F1}">
-                <asvg:svgBlip xmlns:asvg="http://schemas.microsoft.com/office/drawing/2016/SVG/main" r:embed="rId4"/>
-              </a:ext>
-            </a:extLst>
-          </a:blip>
-          <a:stretch>
-            <a:fillRect/>
-          </a:stretch>
-        </p:blipFill>
-        <p:spPr>
-          <a:xfrm rot="15075446">
-            <a:off x="7842042" y="534690"/>
-            <a:ext cx="715449" cy="715449"/>
-          </a:xfrm>
-          <a:prstGeom prst="rect">
-            <a:avLst/>
-          </a:prstGeom>
-        </p:spPr>
-      </p:pic>
-      <p:sp>
-        <p:nvSpPr>
-          <p:cNvPr id="46" name="Can 45">
-            <a:extLst>
-              <a:ext uri="{FF2B5EF4-FFF2-40B4-BE49-F238E27FC236}">
-                <a16:creationId xmlns:a16="http://schemas.microsoft.com/office/drawing/2014/main" id="{EF8EC951-338B-4C4F-9D69-04D5711A4D17}"/>
-              </a:ext>
-            </a:extLst>
-          </p:cNvPr>
-          <p:cNvSpPr/>
-          <p:nvPr/>
-        </p:nvSpPr>
-        <p:spPr>
-          <a:xfrm>
-            <a:off x="7543070" y="1186274"/>
-            <a:ext cx="635713" cy="1550089"/>
-          </a:xfrm>
-          <a:prstGeom prst="can">
-            <a:avLst/>
-          </a:prstGeom>
-        </p:spPr>
-        <p:style>
-          <a:lnRef idx="3">
-            <a:schemeClr val="lt1"/>
-          </a:lnRef>
-          <a:fillRef idx="1">
-            <a:schemeClr val="accent1"/>
-          </a:fillRef>
-          <a:effectRef idx="1">
-            <a:schemeClr val="accent1"/>
-          </a:effectRef>
-          <a:fontRef idx="minor">
-            <a:schemeClr val="lt1"/>
-          </a:fontRef>
-        </p:style>
-        <p:txBody>
-          <a:bodyPr vert="vert270" rtlCol="0" anchor="ctr"/>
-          <a:lstStyle/>
-          <a:p>
-            <a:pPr algn="ctr"/>
-            <a:r>
-              <a:rPr lang="en-US" sz="1600" dirty="0"/>
-              <a:t>   Pending Queue</a:t>
-            </a:r>
-          </a:p>
-        </p:txBody>
-      </p:sp>
-      <p:grpSp>
-        <p:nvGrpSpPr>
-          <p:cNvPr id="47" name="Group 46">
-            <a:extLst>
-              <a:ext uri="{FF2B5EF4-FFF2-40B4-BE49-F238E27FC236}">
-                <a16:creationId xmlns:a16="http://schemas.microsoft.com/office/drawing/2014/main" id="{C6EC3344-4B6C-534E-8B52-2B1090F33246}"/>
-              </a:ext>
-            </a:extLst>
-          </p:cNvPr>
-          <p:cNvGrpSpPr/>
-          <p:nvPr/>
-        </p:nvGrpSpPr>
-        <p:grpSpPr>
-          <a:xfrm>
-            <a:off x="7528782" y="2471813"/>
-            <a:ext cx="669720" cy="594799"/>
-            <a:chOff x="6362301" y="85706"/>
-            <a:chExt cx="669720" cy="594799"/>
-          </a:xfrm>
-        </p:grpSpPr>
-        <p:sp>
-          <p:nvSpPr>
-            <p:cNvPr id="48" name="Oval 47">
-              <a:extLst>
-                <a:ext uri="{FF2B5EF4-FFF2-40B4-BE49-F238E27FC236}">
-                  <a16:creationId xmlns:a16="http://schemas.microsoft.com/office/drawing/2014/main" id="{27C0B96F-57DE-D145-943F-A22D1C2C5B54}"/>
-                </a:ext>
-              </a:extLst>
-            </p:cNvPr>
-            <p:cNvSpPr/>
-            <p:nvPr/>
-          </p:nvSpPr>
-          <p:spPr>
-            <a:xfrm>
-              <a:off x="6373521" y="85706"/>
-              <a:ext cx="634198" cy="594799"/>
-            </a:xfrm>
-            <a:prstGeom prst="ellipse">
-              <a:avLst/>
-            </a:prstGeom>
-            <a:ln w="38100"/>
-          </p:spPr>
-          <p:style>
-            <a:lnRef idx="2">
-              <a:schemeClr val="accent1"/>
-            </a:lnRef>
-            <a:fillRef idx="1">
-              <a:schemeClr val="lt1"/>
-            </a:fillRef>
-            <a:effectRef idx="0">
-              <a:schemeClr val="accent1"/>
-            </a:effectRef>
-            <a:fontRef idx="minor">
-              <a:schemeClr val="dk1"/>
-            </a:fontRef>
-          </p:style>
-          <p:txBody>
-            <a:bodyPr rtlCol="0" anchor="ctr"/>
-            <a:lstStyle/>
-            <a:p>
-              <a:pPr algn="ctr"/>
-              <a:endParaRPr lang="en-US"/>
-            </a:p>
-          </p:txBody>
-        </p:sp>
-        <p:pic>
-          <p:nvPicPr>
-            <p:cNvPr id="49" name="Picture 48">
-              <a:extLst>
-                <a:ext uri="{FF2B5EF4-FFF2-40B4-BE49-F238E27FC236}">
-                  <a16:creationId xmlns:a16="http://schemas.microsoft.com/office/drawing/2014/main" id="{A92E6A88-F695-F348-9184-8F0DD7F01869}"/>
-                </a:ext>
-              </a:extLst>
-            </p:cNvPr>
-            <p:cNvPicPr>
-              <a:picLocks noChangeAspect="1"/>
-            </p:cNvPicPr>
-            <p:nvPr/>
-          </p:nvPicPr>
-          <p:blipFill>
-            <a:blip r:embed="rId7"/>
-            <a:stretch>
-              <a:fillRect/>
-            </a:stretch>
-          </p:blipFill>
-          <p:spPr>
-            <a:xfrm>
-              <a:off x="6362301" y="213582"/>
-              <a:ext cx="669720" cy="350487"/>
-            </a:xfrm>
-            <a:prstGeom prst="rect">
-              <a:avLst/>
-            </a:prstGeom>
-          </p:spPr>
-        </p:pic>
-      </p:grpSp>
-      <p:pic>
-        <p:nvPicPr>
-          <p:cNvPr id="11" name="Picture 10">
-            <a:extLst>
-              <a:ext uri="{FF2B5EF4-FFF2-40B4-BE49-F238E27FC236}">
-                <a16:creationId xmlns:a16="http://schemas.microsoft.com/office/drawing/2014/main" id="{865EF105-5447-0843-BE14-81B71C3B5F15}"/>
-              </a:ext>
-            </a:extLst>
-          </p:cNvPr>
-          <p:cNvPicPr>
-            <a:picLocks noChangeAspect="1"/>
-          </p:cNvPicPr>
-          <p:nvPr/>
-        </p:nvPicPr>
-        <p:blipFill>
-          <a:blip r:embed="rId8"/>
-          <a:stretch>
-            <a:fillRect/>
-          </a:stretch>
-        </p:blipFill>
-        <p:spPr>
-          <a:xfrm>
-            <a:off x="8920515" y="576572"/>
-            <a:ext cx="652888" cy="341678"/>
-          </a:xfrm>
-          <a:prstGeom prst="rect">
-            <a:avLst/>
-          </a:prstGeom>
-        </p:spPr>
-      </p:pic>
+              <a:t>/microservices-cafe</a:t>
+            </a:r>
+          </a:p>
+        </p:txBody>
+      </p:sp>
     </p:spTree>
     <p:extLst>
       <p:ext uri="{BB962C8B-B14F-4D97-AF65-F5344CB8AC3E}">
-        <p14:creationId xmlns:p14="http://schemas.microsoft.com/office/powerpoint/2010/main" val="2958594908"/>
+        <p14:creationId xmlns:p14="http://schemas.microsoft.com/office/powerpoint/2010/main" val="259447994"/>
       </p:ext>
     </p:extLst>
   </p:cSld>
